--- a/课题.pptx
+++ b/课题.pptx
@@ -5,24 +5,22 @@
     <p:sldMasterId id="2147483648" r:id="rId1"/>
   </p:sldMasterIdLst>
   <p:notesMasterIdLst>
-    <p:notesMasterId r:id="rId17"/>
+    <p:notesMasterId r:id="rId15"/>
   </p:notesMasterIdLst>
   <p:sldIdLst>
     <p:sldId id="256" r:id="rId2"/>
-    <p:sldId id="257" r:id="rId3"/>
-    <p:sldId id="258" r:id="rId4"/>
-    <p:sldId id="259" r:id="rId5"/>
-    <p:sldId id="260" r:id="rId6"/>
-    <p:sldId id="261" r:id="rId7"/>
+    <p:sldId id="271" r:id="rId3"/>
+    <p:sldId id="257" r:id="rId4"/>
+    <p:sldId id="258" r:id="rId5"/>
+    <p:sldId id="259" r:id="rId6"/>
+    <p:sldId id="260" r:id="rId7"/>
     <p:sldId id="262" r:id="rId8"/>
-    <p:sldId id="263" r:id="rId9"/>
-    <p:sldId id="264" r:id="rId10"/>
-    <p:sldId id="265" r:id="rId11"/>
-    <p:sldId id="266" r:id="rId12"/>
-    <p:sldId id="267" r:id="rId13"/>
-    <p:sldId id="268" r:id="rId14"/>
-    <p:sldId id="269" r:id="rId15"/>
-    <p:sldId id="270" r:id="rId16"/>
+    <p:sldId id="264" r:id="rId9"/>
+    <p:sldId id="266" r:id="rId10"/>
+    <p:sldId id="267" r:id="rId11"/>
+    <p:sldId id="268" r:id="rId12"/>
+    <p:sldId id="269" r:id="rId13"/>
+    <p:sldId id="270" r:id="rId14"/>
   </p:sldIdLst>
   <p:sldSz cx="12192000" cy="6858000"/>
   <p:notesSz cx="6858000" cy="9144000"/>
@@ -211,7 +209,7 @@
           <a:p>
             <a:fld id="{7A415A39-8105-4E97-85AA-6EBEB26F8639}" type="datetimeFigureOut">
               <a:rPr lang="zh-CN" altLang="en-US" smtClean="0"/>
-              <a:t>2025/3/20</a:t>
+              <a:t>2025-03-20</a:t>
             </a:fld>
             <a:endParaRPr lang="zh-CN" altLang="en-US"/>
           </a:p>
@@ -562,6 +560,90 @@
 </p:notes>
 </file>
 
+<file path=ppt/notesSlides/notesSlide2.xml><?xml version="1.0" encoding="utf-8"?>
+<p:notes xmlns:a="http://schemas.openxmlformats.org/drawingml/2006/main" xmlns:r="http://schemas.openxmlformats.org/officeDocument/2006/relationships" xmlns:p="http://schemas.openxmlformats.org/presentationml/2006/main">
+  <p:cSld>
+    <p:spTree>
+      <p:nvGrpSpPr>
+        <p:cNvPr id="1" name=""/>
+        <p:cNvGrpSpPr/>
+        <p:nvPr/>
+      </p:nvGrpSpPr>
+      <p:grpSpPr>
+        <a:xfrm>
+          <a:off x="0" y="0"/>
+          <a:ext cx="0" cy="0"/>
+          <a:chOff x="0" y="0"/>
+          <a:chExt cx="0" cy="0"/>
+        </a:xfrm>
+      </p:grpSpPr>
+      <p:sp>
+        <p:nvSpPr>
+          <p:cNvPr id="2" name="幻灯片图像占位符 1"/>
+          <p:cNvSpPr>
+            <a:spLocks noGrp="1" noRot="1" noChangeAspect="1"/>
+          </p:cNvSpPr>
+          <p:nvPr>
+            <p:ph type="sldImg"/>
+          </p:nvPr>
+        </p:nvSpPr>
+        <p:spPr/>
+      </p:sp>
+      <p:sp>
+        <p:nvSpPr>
+          <p:cNvPr id="3" name="备注占位符 2"/>
+          <p:cNvSpPr>
+            <a:spLocks noGrp="1"/>
+          </p:cNvSpPr>
+          <p:nvPr>
+            <p:ph type="body" idx="1"/>
+          </p:nvPr>
+        </p:nvSpPr>
+        <p:spPr/>
+        <p:txBody>
+          <a:bodyPr/>
+          <a:lstStyle/>
+          <a:p>
+            <a:endParaRPr lang="zh-CN" altLang="en-US" dirty="0"/>
+          </a:p>
+        </p:txBody>
+      </p:sp>
+      <p:sp>
+        <p:nvSpPr>
+          <p:cNvPr id="4" name="灯片编号占位符 3"/>
+          <p:cNvSpPr>
+            <a:spLocks noGrp="1"/>
+          </p:cNvSpPr>
+          <p:nvPr>
+            <p:ph type="sldNum" sz="quarter" idx="5"/>
+          </p:nvPr>
+        </p:nvSpPr>
+        <p:spPr/>
+        <p:txBody>
+          <a:bodyPr/>
+          <a:lstStyle/>
+          <a:p>
+            <a:fld id="{70D89CFC-350C-487C-A3CD-E2F6A32DC263}" type="slidenum">
+              <a:rPr lang="zh-CN" altLang="en-US" smtClean="0"/>
+              <a:t>13</a:t>
+            </a:fld>
+            <a:endParaRPr lang="zh-CN" altLang="en-US"/>
+          </a:p>
+        </p:txBody>
+      </p:sp>
+    </p:spTree>
+    <p:extLst>
+      <p:ext uri="{BB962C8B-B14F-4D97-AF65-F5344CB8AC3E}">
+        <p14:creationId xmlns:p14="http://schemas.microsoft.com/office/powerpoint/2010/main" val="3760827673"/>
+      </p:ext>
+    </p:extLst>
+  </p:cSld>
+  <p:clrMapOvr>
+    <a:masterClrMapping/>
+  </p:clrMapOvr>
+</p:notes>
+</file>
+
 <file path=ppt/slideLayouts/slideLayout1.xml><?xml version="1.0" encoding="utf-8"?>
 <p:sldLayout xmlns:a="http://schemas.openxmlformats.org/drawingml/2006/main" xmlns:r="http://schemas.openxmlformats.org/officeDocument/2006/relationships" xmlns:p="http://schemas.openxmlformats.org/presentationml/2006/main" preserve="1" userDrawn="1">
   <p:cSld name="标题幻灯片">
@@ -709,7 +791,7 @@
           <a:p>
             <a:fld id="{A6EA172E-427E-4C8C-8AF7-32E1D839299D}" type="datetimeFigureOut">
               <a:rPr lang="zh-CN" altLang="en-US" smtClean="0"/>
-              <a:t>2025/3/20</a:t>
+              <a:t>2025-03-20</a:t>
             </a:fld>
             <a:endParaRPr lang="zh-CN" altLang="en-US"/>
           </a:p>
@@ -907,7 +989,7 @@
           <a:p>
             <a:fld id="{A6EA172E-427E-4C8C-8AF7-32E1D839299D}" type="datetimeFigureOut">
               <a:rPr lang="zh-CN" altLang="en-US" smtClean="0"/>
-              <a:t>2025/3/20</a:t>
+              <a:t>2025-03-20</a:t>
             </a:fld>
             <a:endParaRPr lang="zh-CN" altLang="en-US"/>
           </a:p>
@@ -1115,7 +1197,7 @@
           <a:p>
             <a:fld id="{A6EA172E-427E-4C8C-8AF7-32E1D839299D}" type="datetimeFigureOut">
               <a:rPr lang="zh-CN" altLang="en-US" smtClean="0"/>
-              <a:t>2025/3/20</a:t>
+              <a:t>2025-03-20</a:t>
             </a:fld>
             <a:endParaRPr lang="zh-CN" altLang="en-US"/>
           </a:p>
@@ -1313,7 +1395,7 @@
           <a:p>
             <a:fld id="{A6EA172E-427E-4C8C-8AF7-32E1D839299D}" type="datetimeFigureOut">
               <a:rPr lang="zh-CN" altLang="en-US" smtClean="0"/>
-              <a:t>2025/3/20</a:t>
+              <a:t>2025-03-20</a:t>
             </a:fld>
             <a:endParaRPr lang="zh-CN" altLang="en-US" dirty="0"/>
           </a:p>
@@ -1778,7 +1860,7 @@
           <a:p>
             <a:fld id="{A6EA172E-427E-4C8C-8AF7-32E1D839299D}" type="datetimeFigureOut">
               <a:rPr lang="zh-CN" altLang="en-US" smtClean="0"/>
-              <a:t>2025/3/20</a:t>
+              <a:t>2025-03-20</a:t>
             </a:fld>
             <a:endParaRPr lang="zh-CN" altLang="en-US"/>
           </a:p>
@@ -2043,7 +2125,7 @@
           <a:p>
             <a:fld id="{A6EA172E-427E-4C8C-8AF7-32E1D839299D}" type="datetimeFigureOut">
               <a:rPr lang="zh-CN" altLang="en-US" smtClean="0"/>
-              <a:t>2025/3/20</a:t>
+              <a:t>2025-03-20</a:t>
             </a:fld>
             <a:endParaRPr lang="zh-CN" altLang="en-US"/>
           </a:p>
@@ -2455,7 +2537,7 @@
           <a:p>
             <a:fld id="{A6EA172E-427E-4C8C-8AF7-32E1D839299D}" type="datetimeFigureOut">
               <a:rPr lang="zh-CN" altLang="en-US" smtClean="0"/>
-              <a:t>2025/3/20</a:t>
+              <a:t>2025-03-20</a:t>
             </a:fld>
             <a:endParaRPr lang="zh-CN" altLang="en-US"/>
           </a:p>
@@ -2596,7 +2678,7 @@
           <a:p>
             <a:fld id="{A6EA172E-427E-4C8C-8AF7-32E1D839299D}" type="datetimeFigureOut">
               <a:rPr lang="zh-CN" altLang="en-US" smtClean="0"/>
-              <a:t>2025/3/20</a:t>
+              <a:t>2025-03-20</a:t>
             </a:fld>
             <a:endParaRPr lang="zh-CN" altLang="en-US"/>
           </a:p>
@@ -2709,7 +2791,7 @@
           <a:p>
             <a:fld id="{A6EA172E-427E-4C8C-8AF7-32E1D839299D}" type="datetimeFigureOut">
               <a:rPr lang="zh-CN" altLang="en-US" smtClean="0"/>
-              <a:t>2025/3/20</a:t>
+              <a:t>2025-03-20</a:t>
             </a:fld>
             <a:endParaRPr lang="zh-CN" altLang="en-US"/>
           </a:p>
@@ -3020,7 +3102,7 @@
           <a:p>
             <a:fld id="{A6EA172E-427E-4C8C-8AF7-32E1D839299D}" type="datetimeFigureOut">
               <a:rPr lang="zh-CN" altLang="en-US" smtClean="0"/>
-              <a:t>2025/3/20</a:t>
+              <a:t>2025-03-20</a:t>
             </a:fld>
             <a:endParaRPr lang="zh-CN" altLang="en-US"/>
           </a:p>
@@ -3308,7 +3390,7 @@
           <a:p>
             <a:fld id="{A6EA172E-427E-4C8C-8AF7-32E1D839299D}" type="datetimeFigureOut">
               <a:rPr lang="zh-CN" altLang="en-US" smtClean="0"/>
-              <a:t>2025/3/20</a:t>
+              <a:t>2025-03-20</a:t>
             </a:fld>
             <a:endParaRPr lang="zh-CN" altLang="en-US"/>
           </a:p>
@@ -3549,7 +3631,7 @@
           <a:p>
             <a:fld id="{A6EA172E-427E-4C8C-8AF7-32E1D839299D}" type="datetimeFigureOut">
               <a:rPr lang="zh-CN" altLang="en-US" smtClean="0"/>
-              <a:t>2025/3/20</a:t>
+              <a:t>2025-03-20</a:t>
             </a:fld>
             <a:endParaRPr lang="zh-CN" altLang="en-US"/>
           </a:p>
@@ -4125,7 +4207,7 @@
           <p:cNvPr id="2" name="标题 1">
             <a:extLst>
               <a:ext uri="{FF2B5EF4-FFF2-40B4-BE49-F238E27FC236}">
-                <a16:creationId xmlns:a16="http://schemas.microsoft.com/office/drawing/2014/main" id="{46BDEFBE-F2AC-4CA6-DF5C-23D651B6CFFA}"/>
+                <a16:creationId xmlns:a16="http://schemas.microsoft.com/office/drawing/2014/main" id="{5AA2FB42-4B1E-55EF-6279-F0D677B34931}"/>
               </a:ext>
             </a:extLst>
           </p:cNvPr>
@@ -4142,347 +4224,8 @@
           <a:lstStyle/>
           <a:p>
             <a:r>
-              <a:rPr lang="zh-CN" altLang="en-US" dirty="0"/>
-              <a:t>联系页面实现</a:t>
-            </a:r>
-          </a:p>
-        </p:txBody>
-      </p:sp>
-      <p:sp>
-        <p:nvSpPr>
-          <p:cNvPr id="3" name="内容占位符 2">
-            <a:extLst>
-              <a:ext uri="{FF2B5EF4-FFF2-40B4-BE49-F238E27FC236}">
-                <a16:creationId xmlns:a16="http://schemas.microsoft.com/office/drawing/2014/main" id="{13CD429A-08B7-AAC6-1642-A7DFDFDCA09C}"/>
-              </a:ext>
-            </a:extLst>
-          </p:cNvPr>
-          <p:cNvSpPr>
-            <a:spLocks noGrp="1"/>
-          </p:cNvSpPr>
-          <p:nvPr>
-            <p:ph idx="1"/>
-          </p:nvPr>
-        </p:nvSpPr>
-        <p:spPr/>
-        <p:txBody>
-          <a:bodyPr/>
-          <a:lstStyle/>
-          <a:p>
-            <a:pPr marL="0" indent="0">
-              <a:buNone/>
-            </a:pPr>
-            <a:r>
-              <a:rPr lang="en-US" altLang="zh-CN" dirty="0"/>
-              <a:t>	1. </a:t>
-            </a:r>
-            <a:r>
-              <a:rPr lang="zh-CN" altLang="en-US" dirty="0"/>
-              <a:t>同样使用</a:t>
-            </a:r>
-            <a:r>
-              <a:rPr lang="en-US" altLang="zh-CN" dirty="0" err="1"/>
-              <a:t>QWebEngine</a:t>
-            </a:r>
-            <a:r>
-              <a:rPr lang="zh-CN" altLang="en-US" dirty="0"/>
-              <a:t>进行 </a:t>
-            </a:r>
-            <a:r>
-              <a:rPr lang="en-US" altLang="zh-CN" dirty="0"/>
-              <a:t>markdown </a:t>
-            </a:r>
-            <a:r>
-              <a:rPr lang="zh-CN" altLang="en-US" dirty="0"/>
-              <a:t>和 </a:t>
-            </a:r>
-            <a:r>
-              <a:rPr lang="en-US" altLang="zh-CN" dirty="0"/>
-              <a:t>LATEX</a:t>
-            </a:r>
-            <a:r>
-              <a:rPr lang="zh-CN" altLang="en-US" dirty="0"/>
-              <a:t>支持</a:t>
-            </a:r>
-            <a:r>
-              <a:rPr lang="en-US" altLang="zh-CN" dirty="0"/>
-              <a:t> </a:t>
-            </a:r>
-            <a:r>
-              <a:rPr lang="zh-CN" altLang="en-US" dirty="0"/>
-              <a:t>。</a:t>
-            </a:r>
-            <a:endParaRPr lang="en-US" altLang="zh-CN" dirty="0"/>
-          </a:p>
-          <a:p>
-            <a:pPr marL="0" indent="0">
-              <a:buNone/>
-            </a:pPr>
-            <a:r>
-              <a:rPr lang="en-US" altLang="zh-CN" dirty="0"/>
-              <a:t>	2. </a:t>
-            </a:r>
-            <a:r>
-              <a:rPr lang="zh-CN" altLang="en-US" dirty="0"/>
-              <a:t>使用</a:t>
-            </a:r>
-            <a:r>
-              <a:rPr lang="en-US" altLang="zh-CN" dirty="0"/>
-              <a:t>html</a:t>
-            </a:r>
-            <a:r>
-              <a:rPr lang="zh-CN" altLang="en-US" dirty="0"/>
-              <a:t>生成的方式生成右侧目录</a:t>
-            </a:r>
-            <a:r>
-              <a:rPr lang="en-US" altLang="zh-CN" dirty="0"/>
-              <a:t>,  </a:t>
-            </a:r>
-            <a:r>
-              <a:rPr lang="zh-CN" altLang="en-US" dirty="0"/>
-              <a:t>实现同样为浏览器内核</a:t>
-            </a:r>
-            <a:r>
-              <a:rPr lang="en-US" altLang="zh-CN" dirty="0"/>
-              <a:t>, </a:t>
-            </a:r>
-            <a:r>
-              <a:rPr lang="zh-CN" altLang="en-US" dirty="0"/>
-              <a:t>而题目跳转的部分同样使用了前后端通信的信号槽。</a:t>
-            </a:r>
-          </a:p>
-        </p:txBody>
-      </p:sp>
-      <p:pic>
-        <p:nvPicPr>
-          <p:cNvPr id="5" name="图片 4">
-            <a:extLst>
-              <a:ext uri="{FF2B5EF4-FFF2-40B4-BE49-F238E27FC236}">
-                <a16:creationId xmlns:a16="http://schemas.microsoft.com/office/drawing/2014/main" id="{068E2709-66B6-9C27-A399-854A3BE018F1}"/>
-              </a:ext>
-            </a:extLst>
-          </p:cNvPr>
-          <p:cNvPicPr>
-            <a:picLocks noChangeAspect="1"/>
-          </p:cNvPicPr>
-          <p:nvPr/>
-        </p:nvPicPr>
-        <p:blipFill>
-          <a:blip r:embed="rId2"/>
-          <a:stretch>
-            <a:fillRect/>
-          </a:stretch>
-        </p:blipFill>
-        <p:spPr>
-          <a:xfrm>
-            <a:off x="963386" y="3246412"/>
-            <a:ext cx="5725090" cy="3246463"/>
-          </a:xfrm>
-          <a:prstGeom prst="rect">
-            <a:avLst/>
-          </a:prstGeom>
-        </p:spPr>
-      </p:pic>
-    </p:spTree>
-    <p:extLst>
-      <p:ext uri="{BB962C8B-B14F-4D97-AF65-F5344CB8AC3E}">
-        <p14:creationId xmlns:p14="http://schemas.microsoft.com/office/powerpoint/2010/main" val="656957776"/>
-      </p:ext>
-    </p:extLst>
-  </p:cSld>
-  <p:clrMapOvr>
-    <a:masterClrMapping/>
-  </p:clrMapOvr>
-</p:sld>
-</file>
-
-<file path=ppt/slides/slide11.xml><?xml version="1.0" encoding="utf-8"?>
-<p:sld xmlns:a="http://schemas.openxmlformats.org/drawingml/2006/main" xmlns:r="http://schemas.openxmlformats.org/officeDocument/2006/relationships" xmlns:p="http://schemas.openxmlformats.org/presentationml/2006/main">
-  <p:cSld>
-    <p:spTree>
-      <p:nvGrpSpPr>
-        <p:cNvPr id="1" name=""/>
-        <p:cNvGrpSpPr/>
-        <p:nvPr/>
-      </p:nvGrpSpPr>
-      <p:grpSpPr>
-        <a:xfrm>
-          <a:off x="0" y="0"/>
-          <a:ext cx="0" cy="0"/>
-          <a:chOff x="0" y="0"/>
-          <a:chExt cx="0" cy="0"/>
-        </a:xfrm>
-      </p:grpSpPr>
-      <p:sp>
-        <p:nvSpPr>
-          <p:cNvPr id="2" name="标题 1">
-            <a:extLst>
-              <a:ext uri="{FF2B5EF4-FFF2-40B4-BE49-F238E27FC236}">
-                <a16:creationId xmlns:a16="http://schemas.microsoft.com/office/drawing/2014/main" id="{9A27E06F-2AF7-CC11-7B7B-25EAC3B7B5C0}"/>
-              </a:ext>
-            </a:extLst>
-          </p:cNvPr>
-          <p:cNvSpPr>
-            <a:spLocks noGrp="1"/>
-          </p:cNvSpPr>
-          <p:nvPr>
-            <p:ph type="title"/>
-          </p:nvPr>
-        </p:nvSpPr>
-        <p:spPr/>
-        <p:txBody>
-          <a:bodyPr/>
-          <a:lstStyle/>
-          <a:p>
-            <a:r>
-              <a:rPr lang="zh-CN" altLang="en-US" dirty="0"/>
-              <a:t>生成推荐题目</a:t>
-            </a:r>
-          </a:p>
-        </p:txBody>
-      </p:sp>
-      <p:sp>
-        <p:nvSpPr>
-          <p:cNvPr id="3" name="内容占位符 2">
-            <a:extLst>
-              <a:ext uri="{FF2B5EF4-FFF2-40B4-BE49-F238E27FC236}">
-                <a16:creationId xmlns:a16="http://schemas.microsoft.com/office/drawing/2014/main" id="{EE62E816-77A3-B0F6-3469-9D7CFD7461EC}"/>
-              </a:ext>
-            </a:extLst>
-          </p:cNvPr>
-          <p:cNvSpPr>
-            <a:spLocks noGrp="1"/>
-          </p:cNvSpPr>
-          <p:nvPr>
-            <p:ph idx="1"/>
-          </p:nvPr>
-        </p:nvSpPr>
-        <p:spPr/>
-        <p:txBody>
-          <a:bodyPr/>
-          <a:lstStyle/>
-          <a:p>
-            <a:pPr marL="0" indent="0">
-              <a:buNone/>
-            </a:pPr>
-            <a:r>
-              <a:rPr lang="en-US" altLang="zh-CN" dirty="0"/>
-              <a:t>	</a:t>
-            </a:r>
-            <a:r>
-              <a:rPr lang="zh-CN" altLang="en-US" dirty="0"/>
-              <a:t>以标签关键字</a:t>
-            </a:r>
-            <a:r>
-              <a:rPr lang="en-US" altLang="zh-CN" dirty="0"/>
-              <a:t>, </a:t>
-            </a:r>
-            <a:r>
-              <a:rPr lang="zh-CN" altLang="en-US" dirty="0"/>
-              <a:t>搜索含有相同标签的题目</a:t>
-            </a:r>
-            <a:r>
-              <a:rPr lang="en-US" altLang="zh-CN" dirty="0"/>
-              <a:t>, </a:t>
-            </a:r>
-            <a:r>
-              <a:rPr lang="zh-CN" altLang="en-US" dirty="0"/>
-              <a:t>选取其前五题并输出。如遇题目不足则不会覆盖上一次的推荐题目。</a:t>
-            </a:r>
-            <a:endParaRPr lang="en-US" altLang="zh-CN" dirty="0"/>
-          </a:p>
-          <a:p>
-            <a:pPr marL="0" indent="0">
-              <a:buNone/>
-            </a:pPr>
-            <a:endParaRPr lang="zh-CN" altLang="en-US" dirty="0"/>
-          </a:p>
-        </p:txBody>
-      </p:sp>
-      <p:pic>
-        <p:nvPicPr>
-          <p:cNvPr id="7" name="图片 6">
-            <a:extLst>
-              <a:ext uri="{FF2B5EF4-FFF2-40B4-BE49-F238E27FC236}">
-                <a16:creationId xmlns:a16="http://schemas.microsoft.com/office/drawing/2014/main" id="{49CEE449-C144-4FD2-EC6B-43B1A0C58ED6}"/>
-              </a:ext>
-            </a:extLst>
-          </p:cNvPr>
-          <p:cNvPicPr>
-            <a:picLocks noChangeAspect="1"/>
-          </p:cNvPicPr>
-          <p:nvPr/>
-        </p:nvPicPr>
-        <p:blipFill>
-          <a:blip r:embed="rId2"/>
-          <a:stretch>
-            <a:fillRect/>
-          </a:stretch>
-        </p:blipFill>
-        <p:spPr>
-          <a:xfrm>
-            <a:off x="942559" y="2605491"/>
-            <a:ext cx="5963482" cy="2238687"/>
-          </a:xfrm>
-          <a:prstGeom prst="rect">
-            <a:avLst/>
-          </a:prstGeom>
-        </p:spPr>
-      </p:pic>
-    </p:spTree>
-    <p:extLst>
-      <p:ext uri="{BB962C8B-B14F-4D97-AF65-F5344CB8AC3E}">
-        <p14:creationId xmlns:p14="http://schemas.microsoft.com/office/powerpoint/2010/main" val="1832218526"/>
-      </p:ext>
-    </p:extLst>
-  </p:cSld>
-  <p:clrMapOvr>
-    <a:masterClrMapping/>
-  </p:clrMapOvr>
-</p:sld>
-</file>
-
-<file path=ppt/slides/slide12.xml><?xml version="1.0" encoding="utf-8"?>
-<p:sld xmlns:a="http://schemas.openxmlformats.org/drawingml/2006/main" xmlns:r="http://schemas.openxmlformats.org/officeDocument/2006/relationships" xmlns:p="http://schemas.openxmlformats.org/presentationml/2006/main">
-  <p:cSld>
-    <p:spTree>
-      <p:nvGrpSpPr>
-        <p:cNvPr id="1" name=""/>
-        <p:cNvGrpSpPr/>
-        <p:nvPr/>
-      </p:nvGrpSpPr>
-      <p:grpSpPr>
-        <a:xfrm>
-          <a:off x="0" y="0"/>
-          <a:ext cx="0" cy="0"/>
-          <a:chOff x="0" y="0"/>
-          <a:chExt cx="0" cy="0"/>
-        </a:xfrm>
-      </p:grpSpPr>
-      <p:sp>
-        <p:nvSpPr>
-          <p:cNvPr id="2" name="标题 1">
-            <a:extLst>
-              <a:ext uri="{FF2B5EF4-FFF2-40B4-BE49-F238E27FC236}">
-                <a16:creationId xmlns:a16="http://schemas.microsoft.com/office/drawing/2014/main" id="{5AA2FB42-4B1E-55EF-6279-F0D677B34931}"/>
-              </a:ext>
-            </a:extLst>
-          </p:cNvPr>
-          <p:cNvSpPr>
-            <a:spLocks noGrp="1"/>
-          </p:cNvSpPr>
-          <p:nvPr>
-            <p:ph type="title"/>
-          </p:nvPr>
-        </p:nvSpPr>
-        <p:spPr/>
-        <p:txBody>
-          <a:bodyPr/>
-          <a:lstStyle/>
-          <a:p>
-            <a:r>
-              <a:rPr lang="en-US" altLang="zh-CN" dirty="0"/>
-              <a:t>4. </a:t>
+              <a:rPr lang="en-US" altLang="zh-CN" dirty="0"/>
+              <a:t>3. </a:t>
             </a:r>
             <a:r>
               <a:rPr lang="zh-CN" altLang="en-US" dirty="0"/>
@@ -4541,7 +4284,7 @@
         <p:spPr>
           <a:xfrm>
             <a:off x="6302269" y="1319324"/>
-            <a:ext cx="5092317" cy="2862322"/>
+            <a:ext cx="5092317" cy="2554545"/>
           </a:xfrm>
           <a:prstGeom prst="rect">
             <a:avLst/>
@@ -4572,7 +4315,7 @@
             </a:r>
             <a:r>
               <a:rPr lang="zh-CN" altLang="en-US" sz="2000" dirty="0"/>
-              <a:t>并计算出其若干个点呈现在屏幕上。同时应 该支持通项公式和递推式两种输入格式。   </a:t>
+              <a:t>并计算出其若干个点呈现在屏幕上。同时应该支持通项公式和递推式两种输入格式。   </a:t>
             </a:r>
             <a:endParaRPr lang="en-US" altLang="zh-CN" sz="2000" dirty="0"/>
           </a:p>
@@ -4587,7 +4330,7 @@
             </a:r>
             <a:r>
               <a:rPr lang="en-US" altLang="zh-CN" sz="2000" dirty="0"/>
-              <a:t>,</a:t>
+              <a:t>, </a:t>
             </a:r>
             <a:r>
               <a:rPr lang="zh-CN" altLang="en-US" sz="2000" dirty="0"/>
@@ -4610,7 +4353,7 @@
             </a:r>
             <a:r>
               <a:rPr lang="zh-CN" altLang="en-US" sz="2000" dirty="0"/>
-              <a:t>因此选择了图像的方式来展现计算完成 的数列。   </a:t>
+              <a:t>因此选择了图像的方式来展现计算完成的数列。   </a:t>
             </a:r>
             <a:endParaRPr lang="en-US" altLang="zh-CN" sz="2000" dirty="0"/>
           </a:p>
@@ -4621,15 +4364,7 @@
             </a:r>
             <a:r>
               <a:rPr lang="zh-CN" altLang="en-US" sz="2000" dirty="0"/>
-              <a:t>图像的方式展示会丢失一部分精准度</a:t>
-            </a:r>
-            <a:r>
-              <a:rPr lang="en-US" altLang="zh-CN" sz="2000" dirty="0"/>
-              <a:t>,</a:t>
-            </a:r>
-            <a:r>
-              <a:rPr lang="zh-CN" altLang="en-US" sz="2000" dirty="0"/>
-              <a:t>同时需要支持从图像中获取准确 数值。</a:t>
+              <a:t>支持从图像中获取准确数值。</a:t>
             </a:r>
           </a:p>
         </p:txBody>
@@ -4683,7 +4418,7 @@
 </p:sld>
 </file>
 
-<file path=ppt/slides/slide13.xml><?xml version="1.0" encoding="utf-8"?>
+<file path=ppt/slides/slide11.xml><?xml version="1.0" encoding="utf-8"?>
 <p:sld xmlns:a="http://schemas.openxmlformats.org/drawingml/2006/main" xmlns:r="http://schemas.openxmlformats.org/officeDocument/2006/relationships" xmlns:p="http://schemas.openxmlformats.org/presentationml/2006/main">
   <p:cSld>
     <p:spTree>
@@ -4935,7 +4670,7 @@
 </p:sld>
 </file>
 
-<file path=ppt/slides/slide14.xml><?xml version="1.0" encoding="utf-8"?>
+<file path=ppt/slides/slide12.xml><?xml version="1.0" encoding="utf-8"?>
 <p:sld xmlns:a="http://schemas.openxmlformats.org/drawingml/2006/main" xmlns:r="http://schemas.openxmlformats.org/officeDocument/2006/relationships" xmlns:p="http://schemas.openxmlformats.org/presentationml/2006/main">
   <p:cSld>
     <p:spTree>
@@ -4975,7 +4710,7 @@
           <a:p>
             <a:r>
               <a:rPr lang="en-US" altLang="zh-CN" dirty="0"/>
-              <a:t>5 </a:t>
+              <a:t>4 </a:t>
             </a:r>
             <a:r>
               <a:rPr lang="zh-CN" altLang="en-US" dirty="0"/>
@@ -5230,7 +4965,7 @@
 </p:sld>
 </file>
 
-<file path=ppt/slides/slide15.xml><?xml version="1.0" encoding="utf-8"?>
+<file path=ppt/slides/slide13.xml><?xml version="1.0" encoding="utf-8"?>
 <p:sld xmlns:a="http://schemas.openxmlformats.org/drawingml/2006/main" xmlns:r="http://schemas.openxmlformats.org/officeDocument/2006/relationships" xmlns:p="http://schemas.openxmlformats.org/presentationml/2006/main">
   <p:cSld>
     <p:spTree>
@@ -5269,10 +5004,6 @@
           <a:lstStyle/>
           <a:p>
             <a:r>
-              <a:rPr lang="en-US" altLang="zh-CN" dirty="0"/>
-              <a:t>6 </a:t>
-            </a:r>
-            <a:r>
               <a:rPr lang="zh-CN" altLang="en-US" dirty="0"/>
               <a:t>总结与展望</a:t>
             </a:r>
@@ -5327,11 +5058,19 @@
             </a:r>
             <a:r>
               <a:rPr lang="zh-CN" altLang="en-US" dirty="0"/>
-              <a:t>减 少无意义的刷题训练。通过软件程序的方式提供了一套帮助工具。能够提升自主练习的体验</a:t>
-            </a:r>
-            <a:r>
-              <a:rPr lang="en-US" altLang="zh-CN" dirty="0"/>
-              <a:t>,</a:t>
+              <a:t>减少无意义的刷题训练。通过软件程序的方式提供了一套帮助工具</a:t>
+            </a:r>
+            <a:r>
+              <a:rPr lang="en-US" altLang="zh-CN" dirty="0"/>
+              <a:t>,  </a:t>
+            </a:r>
+            <a:r>
+              <a:rPr lang="zh-CN" altLang="en-US" dirty="0"/>
+              <a:t>希望能够提升自主练习的体验</a:t>
+            </a:r>
+            <a:r>
+              <a:rPr lang="en-US" altLang="zh-CN" dirty="0"/>
+              <a:t>,  </a:t>
             </a:r>
             <a:r>
               <a:rPr lang="zh-CN" altLang="en-US" dirty="0"/>
@@ -5353,11 +5092,11 @@
             </a:r>
             <a:r>
               <a:rPr lang="en-US" altLang="zh-CN" dirty="0"/>
-              <a:t>,</a:t>
-            </a:r>
-            <a:r>
-              <a:rPr lang="zh-CN" altLang="en-US" dirty="0"/>
-              <a:t>但仍然存在较多的不足。其 中经过大量尝试仍然无法将中文数学题目通过图片识别的方法一次性转化为 </a:t>
+              <a:t>,  </a:t>
+            </a:r>
+            <a:r>
+              <a:rPr lang="zh-CN" altLang="en-US" dirty="0"/>
+              <a:t>但仍然存在较多的不足。其中经过大量尝试仍然无法将中文数学题目通过图片识别的方法一次性转化为 </a:t>
             </a:r>
             <a:r>
               <a:rPr lang="en-US" altLang="zh-CN" dirty="0"/>
@@ -5377,7 +5116,7 @@
             </a:r>
             <a:r>
               <a:rPr lang="en-US" altLang="zh-CN" dirty="0"/>
-              <a:t>, </a:t>
+              <a:t>,  </a:t>
             </a:r>
             <a:r>
               <a:rPr lang="zh-CN" altLang="en-US" dirty="0"/>
@@ -5385,7 +5124,7 @@
             </a:r>
             <a:r>
               <a:rPr lang="en-US" altLang="zh-CN" dirty="0"/>
-              <a:t>, </a:t>
+              <a:t>,  </a:t>
             </a:r>
             <a:r>
               <a:rPr lang="zh-CN" altLang="en-US" dirty="0"/>
@@ -5405,27 +5144,27 @@
             </a:r>
             <a:r>
               <a:rPr lang="en-US" altLang="zh-CN" dirty="0"/>
-              <a:t>, </a:t>
-            </a:r>
-            <a:r>
-              <a:rPr lang="zh-CN" altLang="en-US" dirty="0"/>
-              <a:t>根据 </a:t>
-            </a:r>
-            <a:r>
-              <a:rPr lang="en-US" altLang="zh-CN" dirty="0"/>
-              <a:t>tag</a:t>
-            </a:r>
-            <a:r>
-              <a:rPr lang="zh-CN" altLang="en-US" dirty="0"/>
-              <a:t>选取题目有可能造成大量重复刷题</a:t>
-            </a:r>
-            <a:r>
-              <a:rPr lang="en-US" altLang="zh-CN" dirty="0"/>
-              <a:t>,</a:t>
-            </a:r>
-            <a:r>
-              <a:rPr lang="zh-CN" altLang="en-US" dirty="0"/>
-              <a:t>可以通过向其中加入一定的随机 化来改良效果。</a:t>
+              <a:t>,  </a:t>
+            </a:r>
+            <a:r>
+              <a:rPr lang="zh-CN" altLang="en-US" dirty="0"/>
+              <a:t>仅仅根据类型标签选取题目有可能造成大量重复刷题</a:t>
+            </a:r>
+            <a:r>
+              <a:rPr lang="en-US" altLang="zh-CN" dirty="0"/>
+              <a:t>,  </a:t>
+            </a:r>
+            <a:r>
+              <a:rPr lang="zh-CN" altLang="en-US" dirty="0"/>
+              <a:t>可以通过向其中加入一定</a:t>
+            </a:r>
+            <a:r>
+              <a:rPr lang="zh-CN" altLang="en-US"/>
+              <a:t>的随机化或者引入更多因素来</a:t>
+            </a:r>
+            <a:r>
+              <a:rPr lang="zh-CN" altLang="en-US" dirty="0"/>
+              <a:t>改良效果。</a:t>
             </a:r>
           </a:p>
         </p:txBody>
@@ -5465,7 +5204,7 @@
           <p:cNvPr id="2" name="标题 1">
             <a:extLst>
               <a:ext uri="{FF2B5EF4-FFF2-40B4-BE49-F238E27FC236}">
-                <a16:creationId xmlns:a16="http://schemas.microsoft.com/office/drawing/2014/main" id="{30F96A3C-7BDE-AD89-B545-62B9B067C68C}"/>
+                <a16:creationId xmlns:a16="http://schemas.microsoft.com/office/drawing/2014/main" id="{CAE973DD-2C4F-A31F-DB2A-FEC9F655C1F7}"/>
               </a:ext>
             </a:extLst>
           </p:cNvPr>
@@ -5483,8 +5222,13 @@
           <a:p>
             <a:r>
               <a:rPr lang="zh-CN" altLang="en-US" dirty="0"/>
-              <a:t>引言</a:t>
-            </a:r>
+              <a:t>目录</a:t>
+            </a:r>
+            <a:r>
+              <a:rPr lang="en-US" altLang="zh-CN" dirty="0"/>
+              <a:t>: </a:t>
+            </a:r>
+            <a:endParaRPr lang="zh-CN" altLang="en-US" dirty="0"/>
           </a:p>
         </p:txBody>
       </p:sp>
@@ -5493,7 +5237,7 @@
           <p:cNvPr id="3" name="内容占位符 2">
             <a:extLst>
               <a:ext uri="{FF2B5EF4-FFF2-40B4-BE49-F238E27FC236}">
-                <a16:creationId xmlns:a16="http://schemas.microsoft.com/office/drawing/2014/main" id="{884D3017-F769-7D9A-C662-506E386DFDBA}"/>
+                <a16:creationId xmlns:a16="http://schemas.microsoft.com/office/drawing/2014/main" id="{49747346-EA51-D460-EA6B-2D6A4CB5E500}"/>
               </a:ext>
             </a:extLst>
           </p:cNvPr>
@@ -5511,114 +5255,67 @@
           </a:bodyPr>
           <a:lstStyle/>
           <a:p>
-            <a:pPr marL="0" indent="0">
-              <a:buNone/>
+            <a:pPr marL="514350" indent="-514350">
+              <a:buAutoNum type="arabicPeriod"/>
             </a:pPr>
             <a:r>
-              <a:rPr lang="en-US" altLang="zh-CN" dirty="0"/>
-              <a:t>	</a:t>
-            </a:r>
-            <a:r>
-              <a:rPr lang="zh-CN" altLang="en-US" dirty="0"/>
-              <a:t>数列在高中学习占有不可忽视的一部分。</a:t>
-            </a:r>
-            <a:endParaRPr lang="en-US" altLang="zh-CN" dirty="0"/>
-          </a:p>
-          <a:p>
-            <a:pPr marL="0" indent="0">
-              <a:buNone/>
+              <a:rPr lang="zh-CN" altLang="en-US" sz="3200" dirty="0"/>
+              <a:t>引言</a:t>
+            </a:r>
+            <a:endParaRPr lang="en-US" altLang="zh-CN" sz="3200" dirty="0"/>
+          </a:p>
+          <a:p>
+            <a:pPr marL="514350" indent="-514350">
+              <a:buAutoNum type="arabicPeriod"/>
             </a:pPr>
             <a:r>
-              <a:rPr lang="en-US" altLang="zh-CN" dirty="0"/>
-              <a:t>	</a:t>
-            </a:r>
-            <a:r>
-              <a:rPr lang="zh-CN" altLang="en-US" dirty="0"/>
-              <a:t>在高中的数学学习过程中</a:t>
-            </a:r>
-            <a:r>
-              <a:rPr lang="en-US" altLang="zh-CN" dirty="0"/>
-              <a:t>,</a:t>
-            </a:r>
-            <a:r>
-              <a:rPr lang="zh-CN" altLang="en-US" dirty="0"/>
-              <a:t>数列知识点种类多</a:t>
-            </a:r>
-            <a:r>
-              <a:rPr lang="en-US" altLang="zh-CN" dirty="0"/>
-              <a:t>, </a:t>
-            </a:r>
-            <a:r>
-              <a:rPr lang="zh-CN" altLang="en-US" dirty="0"/>
-              <a:t>多样化。往往需要更多的训练才能以较好的程度掌握。</a:t>
-            </a:r>
-            <a:endParaRPr lang="en-US" altLang="zh-CN" dirty="0"/>
-          </a:p>
-          <a:p>
-            <a:pPr marL="0" indent="0">
-              <a:buNone/>
+              <a:rPr lang="zh-CN" altLang="en-US" sz="3200" dirty="0"/>
+              <a:t>文献综述</a:t>
+            </a:r>
+            <a:endParaRPr lang="en-US" altLang="zh-CN" sz="3200" dirty="0"/>
+          </a:p>
+          <a:p>
+            <a:pPr marL="514350" indent="-514350">
+              <a:buAutoNum type="arabicPeriod"/>
             </a:pPr>
             <a:r>
-              <a:rPr lang="en-US" altLang="zh-CN" dirty="0"/>
-              <a:t>	</a:t>
-            </a:r>
-            <a:r>
-              <a:rPr lang="zh-CN" altLang="en-US" dirty="0"/>
-              <a:t>传统课堂受限于二维板书呈现方式，学生难以直观感知数列项数变化时的动态规律。 </a:t>
-            </a:r>
-            <a:endParaRPr lang="en-US" altLang="zh-CN" dirty="0"/>
-          </a:p>
-          <a:p>
-            <a:pPr marL="0" indent="0">
-              <a:buNone/>
+              <a:rPr lang="zh-CN" altLang="en-US" sz="3200" dirty="0"/>
+              <a:t>提出方案</a:t>
+            </a:r>
+            <a:endParaRPr lang="en-US" altLang="zh-CN" sz="3200" dirty="0"/>
+          </a:p>
+          <a:p>
+            <a:pPr marL="514350" indent="-514350">
+              <a:buAutoNum type="arabicPeriod"/>
             </a:pPr>
             <a:r>
-              <a:rPr lang="en-US" altLang="zh-CN" dirty="0"/>
-              <a:t>	</a:t>
-            </a:r>
-            <a:r>
-              <a:rPr lang="zh-CN" altLang="en-US" dirty="0"/>
-              <a:t>本研究旨在开发基于</a:t>
-            </a:r>
-            <a:r>
-              <a:rPr lang="en-US" altLang="zh-CN" dirty="0" err="1"/>
-              <a:t>PyQT</a:t>
-            </a:r>
-            <a:r>
-              <a:rPr lang="zh-CN" altLang="en-US" dirty="0"/>
-              <a:t>框架的数列学习辅助程序</a:t>
-            </a:r>
-            <a:r>
-              <a:rPr lang="en-US" altLang="zh-CN" dirty="0"/>
-              <a:t>,</a:t>
-            </a:r>
-            <a:r>
-              <a:rPr lang="zh-CN" altLang="en-US" dirty="0"/>
-              <a:t>提供自动绘制数列 图像</a:t>
-            </a:r>
-            <a:r>
-              <a:rPr lang="en-US" altLang="zh-CN" dirty="0"/>
-              <a:t>,</a:t>
-            </a:r>
-            <a:r>
-              <a:rPr lang="zh-CN" altLang="en-US" dirty="0"/>
-              <a:t>自动对题目分类整理等功能</a:t>
-            </a:r>
-            <a:r>
-              <a:rPr lang="en-US" altLang="zh-CN" dirty="0"/>
-              <a:t>,</a:t>
-            </a:r>
-            <a:r>
-              <a:rPr lang="zh-CN" altLang="en-US" dirty="0"/>
-              <a:t>提升用户的学习体验与效果</a:t>
-            </a:r>
+              <a:rPr lang="zh-CN" altLang="en-US" sz="3200" dirty="0"/>
+              <a:t>方案设计与实现</a:t>
+            </a:r>
+            <a:endParaRPr lang="en-US" altLang="zh-CN" sz="3200" dirty="0"/>
+          </a:p>
+          <a:p>
+            <a:pPr marL="514350" indent="-514350">
+              <a:buAutoNum type="arabicPeriod"/>
+            </a:pPr>
+            <a:r>
+              <a:rPr lang="zh-CN" altLang="en-US" sz="3200" dirty="0"/>
+              <a:t>总结与展望</a:t>
+            </a:r>
+            <a:endParaRPr lang="en-US" altLang="zh-CN" sz="3200" dirty="0"/>
+          </a:p>
+          <a:p>
+            <a:pPr marL="514350" indent="-514350">
+              <a:buAutoNum type="arabicPeriod"/>
+            </a:pPr>
+            <a:endParaRPr lang="zh-CN" altLang="en-US" sz="3200" dirty="0"/>
           </a:p>
         </p:txBody>
       </p:sp>
     </p:spTree>
     <p:extLst>
       <p:ext uri="{BB962C8B-B14F-4D97-AF65-F5344CB8AC3E}">
-        <p14:creationId xmlns:p14="http://schemas.microsoft.com/office/powerpoint/2010/main" val="3832221159"/>
+        <p14:creationId xmlns:p14="http://schemas.microsoft.com/office/powerpoint/2010/main" val="4274034384"/>
       </p:ext>
     </p:extLst>
   </p:cSld>
@@ -5650,7 +5347,7 @@
           <p:cNvPr id="2" name="标题 1">
             <a:extLst>
               <a:ext uri="{FF2B5EF4-FFF2-40B4-BE49-F238E27FC236}">
-                <a16:creationId xmlns:a16="http://schemas.microsoft.com/office/drawing/2014/main" id="{4419BD46-D978-B042-C03E-5D184B408C55}"/>
+                <a16:creationId xmlns:a16="http://schemas.microsoft.com/office/drawing/2014/main" id="{30F96A3C-7BDE-AD89-B545-62B9B067C68C}"/>
               </a:ext>
             </a:extLst>
           </p:cNvPr>
@@ -5668,7 +5365,7 @@
           <a:p>
             <a:r>
               <a:rPr lang="zh-CN" altLang="en-US" dirty="0"/>
-              <a:t>文献综述</a:t>
+              <a:t>引言</a:t>
             </a:r>
           </a:p>
         </p:txBody>
@@ -5678,7 +5375,7 @@
           <p:cNvPr id="3" name="内容占位符 2">
             <a:extLst>
               <a:ext uri="{FF2B5EF4-FFF2-40B4-BE49-F238E27FC236}">
-                <a16:creationId xmlns:a16="http://schemas.microsoft.com/office/drawing/2014/main" id="{CC9A44C6-0A4E-95C9-274A-9666E8D611F3}"/>
+                <a16:creationId xmlns:a16="http://schemas.microsoft.com/office/drawing/2014/main" id="{884D3017-F769-7D9A-C662-506E386DFDBA}"/>
               </a:ext>
             </a:extLst>
           </p:cNvPr>
@@ -5689,12 +5386,7 @@
             <p:ph idx="1"/>
           </p:nvPr>
         </p:nvSpPr>
-        <p:spPr>
-          <a:xfrm>
-            <a:off x="1006928" y="3599999"/>
-            <a:ext cx="10346871" cy="2698977"/>
-          </a:xfrm>
-        </p:spPr>
+        <p:spPr/>
         <p:txBody>
           <a:bodyPr>
             <a:normAutofit/>
@@ -5705,288 +5397,118 @@
               <a:buNone/>
             </a:pPr>
             <a:r>
-              <a:rPr lang="en-US" altLang="zh-CN" sz="2400" dirty="0"/>
+              <a:rPr lang="en-US" altLang="zh-CN" dirty="0"/>
               <a:t>	</a:t>
             </a:r>
             <a:r>
-              <a:rPr lang="zh-CN" altLang="en-US" sz="2400" dirty="0"/>
-              <a:t>从</a:t>
-            </a:r>
-            <a:r>
-              <a:rPr lang="en-US" altLang="zh-CN" sz="2400" dirty="0"/>
-              <a:t>《</a:t>
-            </a:r>
-            <a:r>
-              <a:rPr lang="zh-CN" altLang="en-US" sz="2400" dirty="0"/>
-              <a:t>融合学科知识的数学习题知识点自动标注模型</a:t>
-            </a:r>
-            <a:r>
-              <a:rPr lang="en-US" altLang="zh-CN" sz="2400" dirty="0"/>
-              <a:t>》</a:t>
-            </a:r>
-            <a:r>
-              <a:rPr lang="zh-CN" altLang="en-US" sz="2400" dirty="0"/>
-              <a:t>等文章中</a:t>
-            </a:r>
-            <a:r>
-              <a:rPr lang="en-US" altLang="zh-CN" sz="2400" dirty="0"/>
+              <a:rPr lang="zh-CN" altLang="en-US" dirty="0"/>
+              <a:t>数列在高中学习占有不可忽视的一部分。</a:t>
+            </a:r>
+            <a:endParaRPr lang="en-US" altLang="zh-CN" dirty="0"/>
+          </a:p>
+          <a:p>
+            <a:pPr marL="0" indent="0">
+              <a:buNone/>
+            </a:pPr>
+            <a:r>
+              <a:rPr lang="en-US" altLang="zh-CN" dirty="0"/>
+              <a:t>	</a:t>
+            </a:r>
+            <a:r>
+              <a:rPr lang="zh-CN" altLang="en-US" dirty="0"/>
+              <a:t>在高中的数学学习过程中</a:t>
+            </a:r>
+            <a:r>
+              <a:rPr lang="en-US" altLang="zh-CN" dirty="0"/>
               <a:t>,</a:t>
             </a:r>
             <a:r>
-              <a:rPr lang="zh-CN" altLang="en-US" sz="2400" dirty="0"/>
-              <a:t>使用了语 义化题面再进行分类的方案。值得注意的是其中将所有公式简化为统一标签</a:t>
-            </a:r>
-            <a:r>
-              <a:rPr lang="en-US" altLang="zh-CN" sz="2400" dirty="0"/>
+              <a:rPr lang="zh-CN" altLang="en-US" dirty="0"/>
+              <a:t>数列知识点种类多</a:t>
+            </a:r>
+            <a:r>
+              <a:rPr lang="en-US" altLang="zh-CN" dirty="0"/>
+              <a:t>, </a:t>
+            </a:r>
+            <a:r>
+              <a:rPr lang="zh-CN" altLang="en-US" dirty="0"/>
+              <a:t>多样化。往往需要更多的训练才能以较好的程度掌握。</a:t>
+            </a:r>
+            <a:endParaRPr lang="en-US" altLang="zh-CN" dirty="0"/>
+          </a:p>
+          <a:p>
+            <a:pPr marL="0" indent="0">
+              <a:buNone/>
+            </a:pPr>
+            <a:r>
+              <a:rPr lang="en-US" altLang="zh-CN" dirty="0"/>
+              <a:t>	</a:t>
+            </a:r>
+            <a:r>
+              <a:rPr lang="zh-CN" altLang="en-US" dirty="0"/>
+              <a:t>传统课堂受限于二维板书呈现方式，学生难以直观感知数列项数变化时的动态规律。 </a:t>
+            </a:r>
+            <a:endParaRPr lang="en-US" altLang="zh-CN" dirty="0"/>
+          </a:p>
+          <a:p>
+            <a:pPr marL="0" indent="0">
+              <a:buNone/>
+            </a:pPr>
+            <a:r>
+              <a:rPr lang="en-US" altLang="zh-CN" dirty="0"/>
+              <a:t>	</a:t>
+            </a:r>
+            <a:r>
+              <a:rPr lang="zh-CN" altLang="en-US" dirty="0"/>
+              <a:t>本研究旨在开发基于</a:t>
+            </a:r>
+            <a:r>
+              <a:rPr lang="en-US" altLang="zh-CN" dirty="0" err="1"/>
+              <a:t>PyQT</a:t>
+            </a:r>
+            <a:r>
+              <a:rPr lang="zh-CN" altLang="en-US" dirty="0"/>
+              <a:t>框架的数列学习辅助程序</a:t>
+            </a:r>
+            <a:r>
+              <a:rPr lang="en-US" altLang="zh-CN" dirty="0"/>
               <a:t>,</a:t>
             </a:r>
             <a:r>
-              <a:rPr lang="zh-CN" altLang="en-US" sz="2400" dirty="0"/>
-              <a:t>丢 失了公式中所含有的信息。本研究尝试将公式的文本也作为模型输入一并训练</a:t>
-            </a:r>
-            <a:r>
-              <a:rPr lang="en-US" altLang="zh-CN" sz="2400" dirty="0"/>
+              <a:rPr lang="zh-CN" altLang="en-US" dirty="0"/>
+              <a:t>提供自动绘制数列 图像</a:t>
+            </a:r>
+            <a:r>
+              <a:rPr lang="en-US" altLang="zh-CN" dirty="0"/>
+              <a:t>,</a:t>
+            </a:r>
+            <a:r>
+              <a:rPr lang="zh-CN" altLang="en-US" dirty="0"/>
+              <a:t>自动对题目分类整理等功能</a:t>
+            </a:r>
+            <a:r>
+              <a:rPr lang="en-US" altLang="zh-CN" dirty="0"/>
               <a:t>, </a:t>
             </a:r>
             <a:r>
-              <a:rPr lang="zh-CN" altLang="en-US" sz="2400" dirty="0"/>
-              <a:t>观察其训练效果。</a:t>
-            </a:r>
-            <a:endParaRPr lang="en-US" altLang="zh-CN" sz="2400" dirty="0"/>
-          </a:p>
-          <a:p>
-            <a:pPr marL="0" indent="0">
-              <a:buNone/>
-            </a:pPr>
-            <a:r>
-              <a:rPr lang="en-US" altLang="zh-CN" sz="2400" dirty="0"/>
-              <a:t>	</a:t>
-            </a:r>
-            <a:r>
-              <a:rPr lang="zh-CN" altLang="en-US" sz="2400" dirty="0"/>
-              <a:t>从</a:t>
-            </a:r>
-            <a:r>
-              <a:rPr lang="en-US" altLang="zh-CN" sz="2400" dirty="0"/>
-              <a:t>《</a:t>
-            </a:r>
-            <a:r>
-              <a:rPr lang="zh-CN" altLang="en-US" sz="2400" dirty="0"/>
-              <a:t>基于知识图谱的数列问题知识表示及实现</a:t>
-            </a:r>
-            <a:r>
-              <a:rPr lang="en-US" altLang="zh-CN" sz="2400" dirty="0"/>
-              <a:t>》</a:t>
-            </a:r>
-            <a:r>
-              <a:rPr lang="zh-CN" altLang="en-US" sz="2400" dirty="0"/>
-              <a:t>中</a:t>
-            </a:r>
-            <a:r>
-              <a:rPr lang="en-US" altLang="zh-CN" sz="2400" dirty="0"/>
-              <a:t>,</a:t>
-            </a:r>
-            <a:r>
-              <a:rPr lang="zh-CN" altLang="en-US" sz="2400" dirty="0"/>
-              <a:t>可 以看出将知识点抽象成树形结构更有助于进行学习</a:t>
-            </a:r>
-            <a:r>
-              <a:rPr lang="en-US" altLang="zh-CN" sz="2400" dirty="0"/>
-              <a:t>,</a:t>
-            </a:r>
-            <a:r>
-              <a:rPr lang="zh-CN" altLang="en-US" sz="2400" dirty="0"/>
-              <a:t>构建合适的学习路线。</a:t>
-            </a:r>
-          </a:p>
-        </p:txBody>
-      </p:sp>
-      <p:sp>
-        <p:nvSpPr>
-          <p:cNvPr id="5" name="文本框 4">
-            <a:extLst>
-              <a:ext uri="{FF2B5EF4-FFF2-40B4-BE49-F238E27FC236}">
-                <a16:creationId xmlns:a16="http://schemas.microsoft.com/office/drawing/2014/main" id="{7FF4A549-CA86-4D78-F567-01CCC86B57B9}"/>
-              </a:ext>
-            </a:extLst>
-          </p:cNvPr>
-          <p:cNvSpPr txBox="1"/>
-          <p:nvPr/>
-        </p:nvSpPr>
-        <p:spPr>
-          <a:xfrm>
-            <a:off x="1006928" y="1291675"/>
-            <a:ext cx="10287001" cy="2308324"/>
-          </a:xfrm>
-          <a:prstGeom prst="rect">
-            <a:avLst/>
-          </a:prstGeom>
-          <a:noFill/>
-        </p:spPr>
-        <p:txBody>
-          <a:bodyPr wrap="square">
-            <a:spAutoFit/>
-          </a:bodyPr>
-          <a:lstStyle/>
-          <a:p>
-            <a:r>
-              <a:rPr lang="en-US" altLang="zh-CN" dirty="0"/>
-              <a:t>[1] </a:t>
-            </a:r>
-            <a:r>
-              <a:rPr lang="zh-CN" altLang="en-US" dirty="0"/>
-              <a:t>罗文兵</a:t>
-            </a:r>
-            <a:r>
-              <a:rPr lang="en-US" altLang="zh-CN" dirty="0"/>
-              <a:t>, </a:t>
-            </a:r>
-            <a:r>
-              <a:rPr lang="zh-CN" altLang="en-US" dirty="0"/>
-              <a:t>罗凯威</a:t>
-            </a:r>
-            <a:r>
-              <a:rPr lang="en-US" altLang="zh-CN" dirty="0"/>
-              <a:t>,</a:t>
-            </a:r>
-            <a:r>
-              <a:rPr lang="zh-CN" altLang="en-US" dirty="0"/>
-              <a:t>黄琪</a:t>
-            </a:r>
-            <a:r>
-              <a:rPr lang="en-US" altLang="zh-CN" dirty="0"/>
-              <a:t>,</a:t>
-            </a:r>
-            <a:r>
-              <a:rPr lang="zh-CN" altLang="en-US" dirty="0"/>
-              <a:t>等</a:t>
-            </a:r>
-            <a:r>
-              <a:rPr lang="en-US" altLang="zh-CN" dirty="0"/>
-              <a:t>.</a:t>
-            </a:r>
-            <a:r>
-              <a:rPr lang="zh-CN" altLang="en-US" dirty="0"/>
-              <a:t>融合学科知识的数学习题知识点自动标注模型</a:t>
-            </a:r>
-            <a:r>
-              <a:rPr lang="en-US" altLang="zh-CN" dirty="0"/>
-              <a:t>[J]. </a:t>
-            </a:r>
-            <a:r>
-              <a:rPr lang="zh-CN" altLang="en-US" dirty="0"/>
-              <a:t>中文信息学报</a:t>
-            </a:r>
-            <a:r>
-              <a:rPr lang="en-US" altLang="zh-CN" dirty="0"/>
-              <a:t>,2024,38(04):143-155. </a:t>
-            </a:r>
-          </a:p>
-          <a:p>
-            <a:r>
-              <a:rPr lang="en-US" altLang="zh-CN" dirty="0"/>
-              <a:t>[2] </a:t>
-            </a:r>
-            <a:r>
-              <a:rPr lang="zh-CN" altLang="en-US" dirty="0"/>
-              <a:t>孟婉颖</a:t>
-            </a:r>
-            <a:r>
-              <a:rPr lang="en-US" altLang="zh-CN" dirty="0"/>
-              <a:t>. </a:t>
-            </a:r>
-            <a:r>
-              <a:rPr lang="zh-CN" altLang="en-US" dirty="0"/>
-              <a:t>基于</a:t>
-            </a:r>
-            <a:r>
-              <a:rPr lang="en-US" altLang="zh-CN" dirty="0"/>
-              <a:t>CRF</a:t>
-            </a:r>
-            <a:r>
-              <a:rPr lang="zh-CN" altLang="en-US" dirty="0"/>
-              <a:t>和深度学习的数学试题知识点自动标注算法研究</a:t>
-            </a:r>
-            <a:r>
-              <a:rPr lang="en-US" altLang="zh-CN" dirty="0"/>
-              <a:t>[D].</a:t>
-            </a:r>
-            <a:r>
-              <a:rPr lang="zh-CN" altLang="en-US" dirty="0"/>
-              <a:t>河 南大学</a:t>
-            </a:r>
-            <a:r>
-              <a:rPr lang="en-US" altLang="zh-CN" dirty="0"/>
-              <a:t>,2023.DOI:10.27114/d.cnki.ghnau.2023.001682. </a:t>
-            </a:r>
-          </a:p>
-          <a:p>
-            <a:r>
-              <a:rPr lang="en-US" altLang="zh-CN" dirty="0"/>
-              <a:t>[3] </a:t>
-            </a:r>
-            <a:r>
-              <a:rPr lang="zh-CN" altLang="en-US" dirty="0"/>
-              <a:t>何鑫宇</a:t>
-            </a:r>
-            <a:r>
-              <a:rPr lang="en-US" altLang="zh-CN" dirty="0"/>
-              <a:t>. </a:t>
-            </a:r>
-            <a:r>
-              <a:rPr lang="zh-CN" altLang="en-US" dirty="0"/>
-              <a:t>基于多标签的数学试题自动标注研究 </a:t>
-            </a:r>
-            <a:r>
-              <a:rPr lang="en-US" altLang="zh-CN" dirty="0"/>
-              <a:t>[D]. </a:t>
-            </a:r>
-            <a:r>
-              <a:rPr lang="zh-CN" altLang="en-US" dirty="0"/>
-              <a:t>天津师范大 学</a:t>
-            </a:r>
-            <a:r>
-              <a:rPr lang="en-US" altLang="zh-CN" dirty="0"/>
-              <a:t>,2023.DOI:10.27363/d.cnki.gtsfu.2023.000668. </a:t>
-            </a:r>
-          </a:p>
-          <a:p>
-            <a:r>
-              <a:rPr lang="en-US" altLang="zh-CN" dirty="0"/>
-              <a:t>[4] </a:t>
-            </a:r>
-            <a:r>
-              <a:rPr lang="zh-CN" altLang="en-US" dirty="0"/>
-              <a:t>黄聪</a:t>
-            </a:r>
-            <a:r>
-              <a:rPr lang="en-US" altLang="zh-CN" dirty="0"/>
-              <a:t>. </a:t>
-            </a:r>
-            <a:r>
-              <a:rPr lang="zh-CN" altLang="en-US" dirty="0"/>
-              <a:t>基于知识图谱的数列问题知识表示及实现 </a:t>
-            </a:r>
-            <a:r>
-              <a:rPr lang="en-US" altLang="zh-CN" dirty="0"/>
-              <a:t>[D]. </a:t>
-            </a:r>
-            <a:r>
-              <a:rPr lang="zh-CN" altLang="en-US" dirty="0"/>
-              <a:t>电子科技大 学</a:t>
-            </a:r>
-            <a:r>
-              <a:rPr lang="en-US" altLang="zh-CN" dirty="0"/>
-              <a:t>,2023.DOI:10.27005/d.cnki.gdzku.2023.003463.</a:t>
-            </a:r>
-            <a:endParaRPr lang="zh-CN" altLang="en-US" dirty="0"/>
+              <a:rPr lang="zh-CN" altLang="en-US" dirty="0"/>
+              <a:t>提供一定自学辅助</a:t>
+            </a:r>
+            <a:r>
+              <a:rPr lang="en-US" altLang="zh-CN" dirty="0"/>
+              <a:t>,  </a:t>
+            </a:r>
+            <a:r>
+              <a:rPr lang="zh-CN" altLang="en-US" dirty="0"/>
+              <a:t>提升用户的学习体验与效果。</a:t>
+            </a:r>
           </a:p>
         </p:txBody>
       </p:sp>
     </p:spTree>
     <p:extLst>
       <p:ext uri="{BB962C8B-B14F-4D97-AF65-F5344CB8AC3E}">
-        <p14:creationId xmlns:p14="http://schemas.microsoft.com/office/powerpoint/2010/main" val="752074525"/>
+        <p14:creationId xmlns:p14="http://schemas.microsoft.com/office/powerpoint/2010/main" val="3832221159"/>
       </p:ext>
     </p:extLst>
   </p:cSld>
@@ -6018,7 +5540,7 @@
           <p:cNvPr id="2" name="标题 1">
             <a:extLst>
               <a:ext uri="{FF2B5EF4-FFF2-40B4-BE49-F238E27FC236}">
-                <a16:creationId xmlns:a16="http://schemas.microsoft.com/office/drawing/2014/main" id="{34F8F1CB-F8B0-8A71-D3F4-AB9512C93545}"/>
+                <a16:creationId xmlns:a16="http://schemas.microsoft.com/office/drawing/2014/main" id="{4419BD46-D978-B042-C03E-5D184B408C55}"/>
               </a:ext>
             </a:extLst>
           </p:cNvPr>
@@ -6036,7 +5558,7 @@
           <a:p>
             <a:r>
               <a:rPr lang="zh-CN" altLang="en-US" dirty="0"/>
-              <a:t>提出方案</a:t>
+              <a:t>文献综述</a:t>
             </a:r>
           </a:p>
         </p:txBody>
@@ -6046,7 +5568,7 @@
           <p:cNvPr id="3" name="内容占位符 2">
             <a:extLst>
               <a:ext uri="{FF2B5EF4-FFF2-40B4-BE49-F238E27FC236}">
-                <a16:creationId xmlns:a16="http://schemas.microsoft.com/office/drawing/2014/main" id="{84EDCDF9-C604-D689-BA84-2BABE17B8AAB}"/>
+                <a16:creationId xmlns:a16="http://schemas.microsoft.com/office/drawing/2014/main" id="{CC9A44C6-0A4E-95C9-274A-9666E8D611F3}"/>
               </a:ext>
             </a:extLst>
           </p:cNvPr>
@@ -6057,7 +5579,12 @@
             <p:ph idx="1"/>
           </p:nvPr>
         </p:nvSpPr>
-        <p:spPr/>
+        <p:spPr>
+          <a:xfrm>
+            <a:off x="1006928" y="3599999"/>
+            <a:ext cx="10346871" cy="2698977"/>
+          </a:xfrm>
+        </p:spPr>
         <p:txBody>
           <a:bodyPr>
             <a:normAutofit/>
@@ -6068,70 +5595,145 @@
               <a:buNone/>
             </a:pPr>
             <a:r>
-              <a:rPr lang="zh-CN" altLang="en-US" dirty="0"/>
-              <a:t> </a:t>
-            </a:r>
-            <a:r>
-              <a:rPr lang="en-US" altLang="zh-CN" dirty="0"/>
-              <a:t>	1. </a:t>
-            </a:r>
-            <a:r>
-              <a:rPr lang="zh-CN" altLang="en-US" dirty="0"/>
-              <a:t>通过对题目进行自动归类</a:t>
-            </a:r>
-            <a:r>
-              <a:rPr lang="en-US" altLang="zh-CN" dirty="0"/>
+              <a:rPr lang="en-US" altLang="zh-CN" sz="2400" dirty="0"/>
+              <a:t>	</a:t>
+            </a:r>
+            <a:r>
+              <a:rPr lang="zh-CN" altLang="en-US" sz="2400" dirty="0"/>
+              <a:t>从</a:t>
+            </a:r>
+            <a:r>
+              <a:rPr lang="en-US" altLang="zh-CN" sz="2400" dirty="0"/>
+              <a:t>《</a:t>
+            </a:r>
+            <a:r>
+              <a:rPr lang="zh-CN" altLang="en-US" sz="2400" dirty="0"/>
+              <a:t>融合学科知识的数学习题知识点自动标注模型</a:t>
+            </a:r>
+            <a:r>
+              <a:rPr lang="en-US" altLang="zh-CN" sz="2400" dirty="0"/>
+              <a:t>》</a:t>
+            </a:r>
+            <a:r>
+              <a:rPr lang="zh-CN" altLang="en-US" sz="2400" dirty="0"/>
+              <a:t>等文章中</a:t>
+            </a:r>
+            <a:r>
+              <a:rPr lang="en-US" altLang="zh-CN" sz="2400" dirty="0"/>
               <a:t>,</a:t>
             </a:r>
             <a:r>
-              <a:rPr lang="zh-CN" altLang="en-US" dirty="0"/>
-              <a:t>排序</a:t>
-            </a:r>
-            <a:r>
-              <a:rPr lang="en-US" altLang="zh-CN" dirty="0"/>
+              <a:rPr lang="zh-CN" altLang="en-US" sz="2400" dirty="0"/>
+              <a:t>使用了语 义化题面再进行分类的方案。值得注意的是其中将所有公式简化为统一标签</a:t>
+            </a:r>
+            <a:r>
+              <a:rPr lang="en-US" altLang="zh-CN" sz="2400" dirty="0"/>
               <a:t>,</a:t>
             </a:r>
             <a:r>
-              <a:rPr lang="zh-CN" altLang="en-US" dirty="0"/>
-              <a:t>形成较优的做题顺序。具体化为根据类型</a:t>
-            </a:r>
-            <a:r>
-              <a:rPr lang="en-US" altLang="zh-CN" dirty="0"/>
+              <a:rPr lang="zh-CN" altLang="en-US" sz="2400" dirty="0"/>
+              <a:t>丢失了公式中所含有的信息。本研究尝试将公式的文本也作为模型输入一并训练</a:t>
+            </a:r>
+            <a:r>
+              <a:rPr lang="en-US" altLang="zh-CN" sz="2400" dirty="0"/>
               <a:t>, </a:t>
             </a:r>
             <a:r>
-              <a:rPr lang="zh-CN" altLang="en-US" dirty="0"/>
-              <a:t>难度两个因素进行排序</a:t>
-            </a:r>
-            <a:r>
-              <a:rPr lang="en-US" altLang="zh-CN" dirty="0"/>
+              <a:rPr lang="zh-CN" altLang="en-US" sz="2400" dirty="0"/>
+              <a:t>观察其训练效果。</a:t>
+            </a:r>
+            <a:endParaRPr lang="en-US" altLang="zh-CN" sz="2400" dirty="0"/>
+          </a:p>
+          <a:p>
+            <a:pPr marL="0" indent="0">
+              <a:buNone/>
+            </a:pPr>
+            <a:r>
+              <a:rPr lang="en-US" altLang="zh-CN" sz="2400" dirty="0"/>
+              <a:t>	</a:t>
+            </a:r>
+            <a:r>
+              <a:rPr lang="zh-CN" altLang="en-US" sz="2400" dirty="0"/>
+              <a:t>从</a:t>
+            </a:r>
+            <a:r>
+              <a:rPr lang="en-US" altLang="zh-CN" sz="2400" dirty="0"/>
+              <a:t>《</a:t>
+            </a:r>
+            <a:r>
+              <a:rPr lang="zh-CN" altLang="en-US" sz="2400" dirty="0"/>
+              <a:t>基于知识图谱的数列问题知识表示及实现</a:t>
+            </a:r>
+            <a:r>
+              <a:rPr lang="en-US" altLang="zh-CN" sz="2400" dirty="0"/>
+              <a:t>》</a:t>
+            </a:r>
+            <a:r>
+              <a:rPr lang="zh-CN" altLang="en-US" sz="2400" dirty="0"/>
+              <a:t>中</a:t>
+            </a:r>
+            <a:r>
+              <a:rPr lang="en-US" altLang="zh-CN" sz="2400" dirty="0"/>
               <a:t>,</a:t>
             </a:r>
             <a:r>
-              <a:rPr lang="zh-CN" altLang="en-US" dirty="0"/>
-              <a:t>主要原则为类型逐渐过渡</a:t>
-            </a:r>
-            <a:r>
-              <a:rPr lang="en-US" altLang="zh-CN" dirty="0"/>
+              <a:rPr lang="zh-CN" altLang="en-US" sz="2400" dirty="0"/>
+              <a:t>可以看出将知识点抽象成树形结构更有助于进行学习</a:t>
+            </a:r>
+            <a:r>
+              <a:rPr lang="en-US" altLang="zh-CN" sz="2400" dirty="0"/>
               <a:t>,</a:t>
             </a:r>
             <a:r>
-              <a:rPr lang="zh-CN" altLang="en-US" dirty="0"/>
-              <a:t>难度由易到难。</a:t>
-            </a:r>
-            <a:endParaRPr lang="en-US" altLang="zh-CN" dirty="0"/>
-          </a:p>
-          <a:p>
-            <a:pPr marL="0" indent="0">
-              <a:buNone/>
-            </a:pPr>
-            <a:r>
-              <a:rPr lang="en-US" altLang="zh-CN" dirty="0"/>
-              <a:t>	2. </a:t>
-            </a:r>
-            <a:r>
-              <a:rPr lang="zh-CN" altLang="en-US" dirty="0"/>
-              <a:t>通过训练人工智能模型</a:t>
+              <a:rPr lang="zh-CN" altLang="en-US" sz="2400" dirty="0"/>
+              <a:t>构建合适的学习路线。</a:t>
+            </a:r>
+          </a:p>
+        </p:txBody>
+      </p:sp>
+      <p:sp>
+        <p:nvSpPr>
+          <p:cNvPr id="5" name="文本框 4">
+            <a:extLst>
+              <a:ext uri="{FF2B5EF4-FFF2-40B4-BE49-F238E27FC236}">
+                <a16:creationId xmlns:a16="http://schemas.microsoft.com/office/drawing/2014/main" id="{7FF4A549-CA86-4D78-F567-01CCC86B57B9}"/>
+              </a:ext>
+            </a:extLst>
+          </p:cNvPr>
+          <p:cNvSpPr txBox="1"/>
+          <p:nvPr/>
+        </p:nvSpPr>
+        <p:spPr>
+          <a:xfrm>
+            <a:off x="1006928" y="1291675"/>
+            <a:ext cx="10287001" cy="2308324"/>
+          </a:xfrm>
+          <a:prstGeom prst="rect">
+            <a:avLst/>
+          </a:prstGeom>
+          <a:noFill/>
+        </p:spPr>
+        <p:txBody>
+          <a:bodyPr wrap="square">
+            <a:spAutoFit/>
+          </a:bodyPr>
+          <a:lstStyle/>
+          <a:p>
+            <a:r>
+              <a:rPr lang="en-US" altLang="zh-CN" dirty="0"/>
+              <a:t>[1] </a:t>
+            </a:r>
+            <a:r>
+              <a:rPr lang="zh-CN" altLang="en-US" dirty="0"/>
+              <a:t>罗文兵</a:t>
+            </a:r>
+            <a:r>
+              <a:rPr lang="en-US" altLang="zh-CN" dirty="0"/>
+              <a:t>, </a:t>
+            </a:r>
+            <a:r>
+              <a:rPr lang="zh-CN" altLang="en-US" dirty="0"/>
+              <a:t>罗凯威</a:t>
             </a:r>
             <a:r>
               <a:rPr lang="en-US" altLang="zh-CN" dirty="0"/>
@@ -6139,21 +5741,7 @@
             </a:r>
             <a:r>
               <a:rPr lang="zh-CN" altLang="en-US" dirty="0"/>
-              <a:t>达成输入题面自动输出题目类型与预估难度的功能。</a:t>
-            </a:r>
-            <a:endParaRPr lang="en-US" altLang="zh-CN" dirty="0"/>
-          </a:p>
-          <a:p>
-            <a:pPr marL="0" indent="0">
-              <a:buNone/>
-            </a:pPr>
-            <a:r>
-              <a:rPr lang="en-US" altLang="zh-CN" dirty="0"/>
-              <a:t>	3. </a:t>
-            </a:r>
-            <a:r>
-              <a:rPr lang="zh-CN" altLang="en-US" dirty="0"/>
-              <a:t>为了打破题目在大量练习集的分散情况</a:t>
+              <a:t>黄琪</a:t>
             </a:r>
             <a:r>
               <a:rPr lang="en-US" altLang="zh-CN" dirty="0"/>
@@ -6161,23 +5749,134 @@
             </a:r>
             <a:r>
               <a:rPr lang="zh-CN" altLang="en-US" dirty="0"/>
-              <a:t>用户可以将自己的题目录入到程序当中</a:t>
-            </a:r>
-            <a:r>
-              <a:rPr lang="en-US" altLang="zh-CN" dirty="0"/>
-              <a:t>,</a:t>
-            </a:r>
-            <a:r>
-              <a:rPr lang="zh-CN" altLang="en-US" dirty="0"/>
-              <a:t>形成自定义题目集。</a:t>
-            </a:r>
+              <a:t>等</a:t>
+            </a:r>
+            <a:r>
+              <a:rPr lang="en-US" altLang="zh-CN" dirty="0"/>
+              <a:t>.</a:t>
+            </a:r>
+            <a:r>
+              <a:rPr lang="zh-CN" altLang="en-US" dirty="0"/>
+              <a:t>融合学科知识的数学习题知识点自动标注模型</a:t>
+            </a:r>
+            <a:r>
+              <a:rPr lang="en-US" altLang="zh-CN" dirty="0"/>
+              <a:t>[J]. </a:t>
+            </a:r>
+            <a:r>
+              <a:rPr lang="zh-CN" altLang="en-US" dirty="0"/>
+              <a:t>中文信息学报</a:t>
+            </a:r>
+            <a:r>
+              <a:rPr lang="en-US" altLang="zh-CN" dirty="0"/>
+              <a:t>,2024,38(04):143-155. </a:t>
+            </a:r>
+          </a:p>
+          <a:p>
+            <a:r>
+              <a:rPr lang="en-US" altLang="zh-CN" dirty="0"/>
+              <a:t>[2] </a:t>
+            </a:r>
+            <a:r>
+              <a:rPr lang="zh-CN" altLang="en-US" dirty="0"/>
+              <a:t>孟婉颖</a:t>
+            </a:r>
+            <a:r>
+              <a:rPr lang="en-US" altLang="zh-CN" dirty="0"/>
+              <a:t>. </a:t>
+            </a:r>
+            <a:r>
+              <a:rPr lang="zh-CN" altLang="en-US" dirty="0"/>
+              <a:t>基于</a:t>
+            </a:r>
+            <a:r>
+              <a:rPr lang="en-US" altLang="zh-CN" dirty="0"/>
+              <a:t>CRF</a:t>
+            </a:r>
+            <a:r>
+              <a:rPr lang="zh-CN" altLang="en-US" dirty="0"/>
+              <a:t>和深度学习的数学试题知识点自动标注算法研究</a:t>
+            </a:r>
+            <a:r>
+              <a:rPr lang="en-US" altLang="zh-CN" dirty="0"/>
+              <a:t>[D].</a:t>
+            </a:r>
+            <a:r>
+              <a:rPr lang="zh-CN" altLang="en-US" dirty="0"/>
+              <a:t>河 南大学</a:t>
+            </a:r>
+            <a:r>
+              <a:rPr lang="en-US" altLang="zh-CN" dirty="0"/>
+              <a:t>,2023.DOI:10.27114/d.cnki.ghnau.2023.001682. </a:t>
+            </a:r>
+          </a:p>
+          <a:p>
+            <a:r>
+              <a:rPr lang="en-US" altLang="zh-CN" dirty="0"/>
+              <a:t>[3] </a:t>
+            </a:r>
+            <a:r>
+              <a:rPr lang="zh-CN" altLang="en-US" dirty="0"/>
+              <a:t>何鑫宇</a:t>
+            </a:r>
+            <a:r>
+              <a:rPr lang="en-US" altLang="zh-CN" dirty="0"/>
+              <a:t>. </a:t>
+            </a:r>
+            <a:r>
+              <a:rPr lang="zh-CN" altLang="en-US" dirty="0"/>
+              <a:t>基于多标签的数学试题自动标注研究 </a:t>
+            </a:r>
+            <a:r>
+              <a:rPr lang="en-US" altLang="zh-CN" dirty="0"/>
+              <a:t>[D]. </a:t>
+            </a:r>
+            <a:r>
+              <a:rPr lang="zh-CN" altLang="en-US" dirty="0"/>
+              <a:t>天津师范大 学</a:t>
+            </a:r>
+            <a:r>
+              <a:rPr lang="en-US" altLang="zh-CN" dirty="0"/>
+              <a:t>,2023.DOI:10.27363/d.cnki.gtsfu.2023.000668. </a:t>
+            </a:r>
+          </a:p>
+          <a:p>
+            <a:r>
+              <a:rPr lang="en-US" altLang="zh-CN" dirty="0"/>
+              <a:t>[4] </a:t>
+            </a:r>
+            <a:r>
+              <a:rPr lang="zh-CN" altLang="en-US" dirty="0"/>
+              <a:t>黄聪</a:t>
+            </a:r>
+            <a:r>
+              <a:rPr lang="en-US" altLang="zh-CN" dirty="0"/>
+              <a:t>. </a:t>
+            </a:r>
+            <a:r>
+              <a:rPr lang="zh-CN" altLang="en-US" dirty="0"/>
+              <a:t>基于知识图谱的数列问题知识表示及实现 </a:t>
+            </a:r>
+            <a:r>
+              <a:rPr lang="en-US" altLang="zh-CN" dirty="0"/>
+              <a:t>[D]. </a:t>
+            </a:r>
+            <a:r>
+              <a:rPr lang="zh-CN" altLang="en-US" dirty="0"/>
+              <a:t>电子科技大 学</a:t>
+            </a:r>
+            <a:r>
+              <a:rPr lang="en-US" altLang="zh-CN" dirty="0"/>
+              <a:t>,2023.DOI:10.27005/d.cnki.gdzku.2023.003463.</a:t>
+            </a:r>
+            <a:endParaRPr lang="zh-CN" altLang="en-US" dirty="0"/>
           </a:p>
         </p:txBody>
       </p:sp>
     </p:spTree>
     <p:extLst>
       <p:ext uri="{BB962C8B-B14F-4D97-AF65-F5344CB8AC3E}">
-        <p14:creationId xmlns:p14="http://schemas.microsoft.com/office/powerpoint/2010/main" val="82519676"/>
+        <p14:creationId xmlns:p14="http://schemas.microsoft.com/office/powerpoint/2010/main" val="752074525"/>
       </p:ext>
     </p:extLst>
   </p:cSld>
@@ -6209,7 +5908,7 @@
           <p:cNvPr id="2" name="标题 1">
             <a:extLst>
               <a:ext uri="{FF2B5EF4-FFF2-40B4-BE49-F238E27FC236}">
-                <a16:creationId xmlns:a16="http://schemas.microsoft.com/office/drawing/2014/main" id="{D1A5DA85-B374-589B-E201-3882BB495B9A}"/>
+                <a16:creationId xmlns:a16="http://schemas.microsoft.com/office/drawing/2014/main" id="{34F8F1CB-F8B0-8A71-D3F4-AB9512C93545}"/>
               </a:ext>
             </a:extLst>
           </p:cNvPr>
@@ -6227,261 +5926,117 @@
           <a:p>
             <a:r>
               <a:rPr lang="zh-CN" altLang="en-US" dirty="0"/>
-              <a:t>软件设计</a:t>
-            </a:r>
-          </a:p>
-        </p:txBody>
-      </p:sp>
-      <p:pic>
-        <p:nvPicPr>
-          <p:cNvPr id="5" name="内容占位符 4">
-            <a:extLst>
-              <a:ext uri="{FF2B5EF4-FFF2-40B4-BE49-F238E27FC236}">
-                <a16:creationId xmlns:a16="http://schemas.microsoft.com/office/drawing/2014/main" id="{A95DB10D-F7BA-3069-1531-B8BD31FC80DF}"/>
-              </a:ext>
-            </a:extLst>
-          </p:cNvPr>
-          <p:cNvPicPr>
-            <a:picLocks noGrp="1" noChangeAspect="1"/>
-          </p:cNvPicPr>
+              <a:t>提出方案</a:t>
+            </a:r>
+          </a:p>
+        </p:txBody>
+      </p:sp>
+      <p:sp>
+        <p:nvSpPr>
+          <p:cNvPr id="3" name="内容占位符 2">
+            <a:extLst>
+              <a:ext uri="{FF2B5EF4-FFF2-40B4-BE49-F238E27FC236}">
+                <a16:creationId xmlns:a16="http://schemas.microsoft.com/office/drawing/2014/main" id="{84EDCDF9-C604-D689-BA84-2BABE17B8AAB}"/>
+              </a:ext>
+            </a:extLst>
+          </p:cNvPr>
+          <p:cNvSpPr>
+            <a:spLocks noGrp="1"/>
+          </p:cNvSpPr>
           <p:nvPr>
             <p:ph idx="1"/>
           </p:nvPr>
-        </p:nvPicPr>
-        <p:blipFill>
-          <a:blip r:embed="rId2"/>
-          <a:stretch>
-            <a:fillRect/>
-          </a:stretch>
-        </p:blipFill>
-        <p:spPr>
-          <a:xfrm>
-            <a:off x="838200" y="1640567"/>
-            <a:ext cx="3553071" cy="4351338"/>
-          </a:xfrm>
-        </p:spPr>
-      </p:pic>
-      <p:sp>
-        <p:nvSpPr>
-          <p:cNvPr id="6" name="标题 1">
-            <a:extLst>
-              <a:ext uri="{FF2B5EF4-FFF2-40B4-BE49-F238E27FC236}">
-                <a16:creationId xmlns:a16="http://schemas.microsoft.com/office/drawing/2014/main" id="{50A28DE7-8B81-4B28-38F0-D962F8596ACB}"/>
-              </a:ext>
-            </a:extLst>
-          </p:cNvPr>
-          <p:cNvSpPr txBox="1">
-            <a:spLocks/>
-          </p:cNvSpPr>
-          <p:nvPr/>
-        </p:nvSpPr>
-        <p:spPr>
-          <a:xfrm>
-            <a:off x="5900058" y="315004"/>
-            <a:ext cx="10515600" cy="1325563"/>
-          </a:xfrm>
-          <a:prstGeom prst="rect">
-            <a:avLst/>
-          </a:prstGeom>
-        </p:spPr>
-        <p:txBody>
-          <a:bodyPr vert="horz" lIns="91440" tIns="45720" rIns="91440" bIns="45720" rtlCol="0" anchor="ctr">
+        </p:nvSpPr>
+        <p:spPr/>
+        <p:txBody>
+          <a:bodyPr>
             <a:normAutofit/>
           </a:bodyPr>
-          <a:lstStyle>
-            <a:lvl1pPr algn="l" defTabSz="914400" rtl="0" eaLnBrk="1" latinLnBrk="0" hangingPunct="1">
-              <a:lnSpc>
-                <a:spcPct val="90000"/>
-              </a:lnSpc>
-              <a:spcBef>
-                <a:spcPct val="0"/>
-              </a:spcBef>
-              <a:buNone/>
-              <a:defRPr sz="4400" kern="1200">
-                <a:solidFill>
-                  <a:schemeClr val="tx1"/>
-                </a:solidFill>
-                <a:latin typeface="+mj-lt"/>
-                <a:ea typeface="+mj-ea"/>
-                <a:cs typeface="+mj-cs"/>
-              </a:defRPr>
-            </a:lvl1pPr>
-          </a:lstStyle>
-          <a:p>
-            <a:r>
-              <a:rPr lang="zh-CN" altLang="en-US" dirty="0"/>
-              <a:t>技术路线</a:t>
-            </a:r>
-          </a:p>
-        </p:txBody>
-      </p:sp>
-      <p:sp>
-        <p:nvSpPr>
-          <p:cNvPr id="8" name="文本框 7">
-            <a:extLst>
-              <a:ext uri="{FF2B5EF4-FFF2-40B4-BE49-F238E27FC236}">
-                <a16:creationId xmlns:a16="http://schemas.microsoft.com/office/drawing/2014/main" id="{706D103F-20D5-C804-1C9A-3A78DAA45C90}"/>
-              </a:ext>
-            </a:extLst>
-          </p:cNvPr>
-          <p:cNvSpPr txBox="1"/>
-          <p:nvPr/>
-        </p:nvSpPr>
-        <p:spPr>
-          <a:xfrm>
-            <a:off x="5421086" y="1575182"/>
-            <a:ext cx="6076647" cy="4524315"/>
-          </a:xfrm>
-          <a:prstGeom prst="rect">
-            <a:avLst/>
-          </a:prstGeom>
-          <a:noFill/>
-        </p:spPr>
-        <p:txBody>
-          <a:bodyPr wrap="square">
-            <a:spAutoFit/>
-          </a:bodyPr>
-          <a:lstStyle/>
-          <a:p>
-            <a:r>
-              <a:rPr lang="en-US" altLang="zh-CN" sz="2400" dirty="0"/>
+          <a:lstStyle/>
+          <a:p>
+            <a:pPr marL="0" indent="0">
+              <a:buNone/>
+            </a:pPr>
+            <a:r>
+              <a:rPr lang="zh-CN" altLang="en-US" dirty="0"/>
+              <a:t> </a:t>
+            </a:r>
+            <a:r>
+              <a:rPr lang="en-US" altLang="zh-CN" dirty="0"/>
               <a:t>	1. </a:t>
             </a:r>
             <a:r>
-              <a:rPr lang="zh-CN" altLang="en-US" sz="2400" dirty="0"/>
-              <a:t>使用 </a:t>
-            </a:r>
-            <a:r>
-              <a:rPr lang="en-US" altLang="zh-CN" sz="2400" dirty="0" err="1"/>
-              <a:t>PyQT</a:t>
-            </a:r>
-            <a:r>
-              <a:rPr lang="en-US" altLang="zh-CN" sz="2400" dirty="0"/>
-              <a:t> </a:t>
-            </a:r>
-            <a:r>
-              <a:rPr lang="zh-CN" altLang="en-US" sz="2400" dirty="0"/>
-              <a:t>作为整体框架</a:t>
-            </a:r>
-            <a:r>
-              <a:rPr lang="en-US" altLang="zh-CN" sz="2400" dirty="0"/>
+              <a:rPr lang="zh-CN" altLang="en-US" dirty="0"/>
+              <a:t>通过对题目进行自动归类</a:t>
+            </a:r>
+            <a:r>
+              <a:rPr lang="en-US" altLang="zh-CN" dirty="0"/>
+              <a:t>,</a:t>
+            </a:r>
+            <a:r>
+              <a:rPr lang="zh-CN" altLang="en-US" dirty="0"/>
+              <a:t>排序</a:t>
+            </a:r>
+            <a:r>
+              <a:rPr lang="en-US" altLang="zh-CN" dirty="0"/>
+              <a:t>,</a:t>
+            </a:r>
+            <a:r>
+              <a:rPr lang="zh-CN" altLang="en-US" dirty="0"/>
+              <a:t>形成较优的做题顺序。优化自学流程。</a:t>
+            </a:r>
+            <a:endParaRPr lang="en-US" altLang="zh-CN" dirty="0"/>
+          </a:p>
+          <a:p>
+            <a:pPr marL="0" indent="0">
+              <a:buNone/>
+            </a:pPr>
+            <a:r>
+              <a:rPr lang="en-US" altLang="zh-CN" dirty="0"/>
+              <a:t>	2. </a:t>
+            </a:r>
+            <a:r>
+              <a:rPr lang="zh-CN" altLang="en-US" dirty="0"/>
+              <a:t>通过训练分类模型</a:t>
+            </a:r>
+            <a:r>
+              <a:rPr lang="en-US" altLang="zh-CN" dirty="0"/>
               <a:t>, </a:t>
             </a:r>
             <a:r>
-              <a:rPr lang="zh-CN" altLang="en-US" sz="2400" dirty="0"/>
-              <a:t>并结合使用 </a:t>
-            </a:r>
-            <a:r>
-              <a:rPr lang="en-US" altLang="zh-CN" sz="2400" dirty="0" err="1"/>
-              <a:t>Qtdesigner</a:t>
-            </a:r>
-            <a:r>
-              <a:rPr lang="en-US" altLang="zh-CN" sz="2400" dirty="0"/>
-              <a:t> </a:t>
-            </a:r>
-            <a:r>
-              <a:rPr lang="zh-CN" altLang="en-US" sz="2400" dirty="0"/>
-              <a:t>设 计软件界面样式</a:t>
-            </a:r>
-            <a:r>
-              <a:rPr lang="en-US" altLang="zh-CN" sz="2400" dirty="0"/>
-              <a:t>, </a:t>
-            </a:r>
-            <a:r>
-              <a:rPr lang="zh-CN" altLang="en-US" sz="2400" dirty="0"/>
-              <a:t>完成数列计算器</a:t>
-            </a:r>
-            <a:r>
-              <a:rPr lang="en-US" altLang="zh-CN" sz="2400" dirty="0"/>
-              <a:t>, </a:t>
-            </a:r>
-            <a:r>
-              <a:rPr lang="zh-CN" altLang="en-US" sz="2400" dirty="0"/>
-              <a:t>用户菜单和题目练习页面的布局设 计。</a:t>
-            </a:r>
-            <a:endParaRPr lang="en-US" altLang="zh-CN" sz="2400" dirty="0"/>
-          </a:p>
-          <a:p>
-            <a:r>
-              <a:rPr lang="en-US" altLang="zh-CN" sz="2400" dirty="0"/>
-              <a:t>	</a:t>
-            </a:r>
-          </a:p>
-          <a:p>
-            <a:endParaRPr lang="en-US" altLang="zh-CN" sz="2400" dirty="0"/>
-          </a:p>
-          <a:p>
-            <a:r>
-              <a:rPr lang="en-US" altLang="zh-CN" sz="2400" dirty="0"/>
-              <a:t>	2. </a:t>
-            </a:r>
-            <a:r>
-              <a:rPr lang="zh-CN" altLang="en-US" sz="2400" dirty="0"/>
-              <a:t>使用 </a:t>
-            </a:r>
-            <a:r>
-              <a:rPr lang="en-US" altLang="zh-CN" sz="2400" dirty="0"/>
-              <a:t>matplotlib </a:t>
-            </a:r>
-            <a:r>
-              <a:rPr lang="zh-CN" altLang="en-US" sz="2400" dirty="0"/>
-              <a:t>完成数列绘图相关工作。在其他用户场景通过使用 </a:t>
-            </a:r>
-            <a:r>
-              <a:rPr lang="en-US" altLang="zh-CN" sz="2400" dirty="0" err="1"/>
-              <a:t>QwebEngineWeights</a:t>
-            </a:r>
-            <a:r>
-              <a:rPr lang="en-US" altLang="zh-CN" sz="2400" dirty="0"/>
-              <a:t> </a:t>
-            </a:r>
-            <a:r>
-              <a:rPr lang="zh-CN" altLang="en-US" sz="2400" dirty="0"/>
-              <a:t>渲染 </a:t>
-            </a:r>
-            <a:r>
-              <a:rPr lang="en-US" altLang="zh-CN" sz="2400" dirty="0"/>
-              <a:t>HTML </a:t>
-            </a:r>
-            <a:r>
-              <a:rPr lang="zh-CN" altLang="en-US" sz="2400" dirty="0"/>
-              <a:t>文本</a:t>
-            </a:r>
-            <a:r>
-              <a:rPr lang="en-US" altLang="zh-CN" sz="2400" dirty="0"/>
-              <a:t>, </a:t>
-            </a:r>
-            <a:r>
-              <a:rPr lang="zh-CN" altLang="en-US" sz="2400" dirty="0"/>
-              <a:t>使其支持更加丰富的表现体验。并同时 借助 </a:t>
-            </a:r>
-            <a:r>
-              <a:rPr lang="en-US" altLang="zh-CN" sz="2400" dirty="0"/>
-              <a:t>HTML</a:t>
-            </a:r>
-            <a:r>
-              <a:rPr lang="zh-CN" altLang="en-US" sz="2400" dirty="0"/>
-              <a:t>完成对 </a:t>
-            </a:r>
-            <a:r>
-              <a:rPr lang="en-US" altLang="zh-CN" sz="2400" dirty="0"/>
-              <a:t>markdown / </a:t>
-            </a:r>
-            <a:r>
-              <a:rPr lang="en-US" altLang="zh-CN" sz="2400" dirty="0" err="1"/>
-              <a:t>tex</a:t>
-            </a:r>
-            <a:r>
-              <a:rPr lang="zh-CN" altLang="en-US" sz="2400" dirty="0"/>
-              <a:t>等其他表现形式的支持。</a:t>
-            </a:r>
+              <a:rPr lang="zh-CN" altLang="en-US" dirty="0"/>
+              <a:t>达成输入题面自动输出题目类型与预估难度的功能。</a:t>
+            </a:r>
+            <a:endParaRPr lang="en-US" altLang="zh-CN" dirty="0"/>
+          </a:p>
+          <a:p>
+            <a:pPr marL="0" indent="0">
+              <a:buNone/>
+            </a:pPr>
+            <a:r>
+              <a:rPr lang="en-US" altLang="zh-CN" dirty="0"/>
+              <a:t>	3. </a:t>
+            </a:r>
+            <a:r>
+              <a:rPr lang="zh-CN" altLang="en-US" dirty="0"/>
+              <a:t>编写程序以支持选题做题功能</a:t>
+            </a:r>
+            <a:r>
+              <a:rPr lang="en-US" altLang="zh-CN" dirty="0"/>
+              <a:t>,  </a:t>
+            </a:r>
+            <a:r>
+              <a:rPr lang="zh-CN" altLang="en-US" dirty="0"/>
+              <a:t>向用户提供学习辅助程序。</a:t>
+            </a:r>
+            <a:endParaRPr lang="en-US" altLang="zh-CN" dirty="0"/>
           </a:p>
         </p:txBody>
       </p:sp>
     </p:spTree>
     <p:extLst>
       <p:ext uri="{BB962C8B-B14F-4D97-AF65-F5344CB8AC3E}">
-        <p14:creationId xmlns:p14="http://schemas.microsoft.com/office/powerpoint/2010/main" val="1432212027"/>
+        <p14:creationId xmlns:p14="http://schemas.microsoft.com/office/powerpoint/2010/main" val="82519676"/>
       </p:ext>
     </p:extLst>
   </p:cSld>
@@ -6513,7 +6068,7 @@
           <p:cNvPr id="2" name="标题 1">
             <a:extLst>
               <a:ext uri="{FF2B5EF4-FFF2-40B4-BE49-F238E27FC236}">
-                <a16:creationId xmlns:a16="http://schemas.microsoft.com/office/drawing/2014/main" id="{E8080B8C-CDCB-FE05-F6A3-0E4FCCDD205F}"/>
+                <a16:creationId xmlns:a16="http://schemas.microsoft.com/office/drawing/2014/main" id="{D1A5DA85-B374-589B-E201-3882BB495B9A}"/>
               </a:ext>
             </a:extLst>
           </p:cNvPr>
@@ -6531,32 +6086,26 @@
           <a:p>
             <a:r>
               <a:rPr lang="zh-CN" altLang="en-US" dirty="0"/>
-              <a:t>方案实现</a:t>
-            </a:r>
-            <a:r>
-              <a:rPr lang="en-US" altLang="zh-CN" dirty="0"/>
-              <a:t> 1.</a:t>
-            </a:r>
-            <a:r>
-              <a:rPr lang="zh-CN" altLang="en-US" dirty="0"/>
-              <a:t>题目</a:t>
+              <a:t>软件设计</a:t>
             </a:r>
           </a:p>
         </p:txBody>
       </p:sp>
       <p:pic>
         <p:nvPicPr>
-          <p:cNvPr id="5" name="图片 4">
-            <a:extLst>
-              <a:ext uri="{FF2B5EF4-FFF2-40B4-BE49-F238E27FC236}">
-                <a16:creationId xmlns:a16="http://schemas.microsoft.com/office/drawing/2014/main" id="{97CBC4D9-172B-702D-DBF3-22D74474E9E6}"/>
+          <p:cNvPr id="5" name="内容占位符 4">
+            <a:extLst>
+              <a:ext uri="{FF2B5EF4-FFF2-40B4-BE49-F238E27FC236}">
+                <a16:creationId xmlns:a16="http://schemas.microsoft.com/office/drawing/2014/main" id="{A95DB10D-F7BA-3069-1531-B8BD31FC80DF}"/>
               </a:ext>
             </a:extLst>
           </p:cNvPr>
           <p:cNvPicPr>
-            <a:picLocks noChangeAspect="1"/>
+            <a:picLocks noGrp="1" noChangeAspect="1"/>
           </p:cNvPicPr>
-          <p:nvPr/>
+          <p:nvPr>
+            <p:ph idx="1"/>
+          </p:nvPr>
         </p:nvPicPr>
         <p:blipFill>
           <a:blip r:embed="rId2"/>
@@ -6566,20 +6115,71 @@
         </p:blipFill>
         <p:spPr>
           <a:xfrm>
-            <a:off x="838200" y="1690688"/>
-            <a:ext cx="3505689" cy="4248743"/>
+            <a:off x="838200" y="1640567"/>
+            <a:ext cx="3553071" cy="4351338"/>
+          </a:xfrm>
+        </p:spPr>
+      </p:pic>
+      <p:sp>
+        <p:nvSpPr>
+          <p:cNvPr id="6" name="标题 1">
+            <a:extLst>
+              <a:ext uri="{FF2B5EF4-FFF2-40B4-BE49-F238E27FC236}">
+                <a16:creationId xmlns:a16="http://schemas.microsoft.com/office/drawing/2014/main" id="{50A28DE7-8B81-4B28-38F0-D962F8596ACB}"/>
+              </a:ext>
+            </a:extLst>
+          </p:cNvPr>
+          <p:cNvSpPr txBox="1">
+            <a:spLocks/>
+          </p:cNvSpPr>
+          <p:nvPr/>
+        </p:nvSpPr>
+        <p:spPr>
+          <a:xfrm>
+            <a:off x="5900058" y="315004"/>
+            <a:ext cx="10515600" cy="1325563"/>
           </a:xfrm>
           <a:prstGeom prst="rect">
             <a:avLst/>
           </a:prstGeom>
         </p:spPr>
-      </p:pic>
-      <p:sp>
-        <p:nvSpPr>
-          <p:cNvPr id="11" name="文本框 10">
-            <a:extLst>
-              <a:ext uri="{FF2B5EF4-FFF2-40B4-BE49-F238E27FC236}">
-                <a16:creationId xmlns:a16="http://schemas.microsoft.com/office/drawing/2014/main" id="{03A13184-DAB3-D1EC-69C1-D923158CE180}"/>
+        <p:txBody>
+          <a:bodyPr vert="horz" lIns="91440" tIns="45720" rIns="91440" bIns="45720" rtlCol="0" anchor="ctr">
+            <a:normAutofit/>
+          </a:bodyPr>
+          <a:lstStyle>
+            <a:lvl1pPr algn="l" defTabSz="914400" rtl="0" eaLnBrk="1" latinLnBrk="0" hangingPunct="1">
+              <a:lnSpc>
+                <a:spcPct val="90000"/>
+              </a:lnSpc>
+              <a:spcBef>
+                <a:spcPct val="0"/>
+              </a:spcBef>
+              <a:buNone/>
+              <a:defRPr sz="4400" kern="1200">
+                <a:solidFill>
+                  <a:schemeClr val="tx1"/>
+                </a:solidFill>
+                <a:latin typeface="+mj-lt"/>
+                <a:ea typeface="+mj-ea"/>
+                <a:cs typeface="+mj-cs"/>
+              </a:defRPr>
+            </a:lvl1pPr>
+          </a:lstStyle>
+          <a:p>
+            <a:r>
+              <a:rPr lang="zh-CN" altLang="en-US" dirty="0"/>
+              <a:t>技术路线</a:t>
+            </a:r>
+          </a:p>
+        </p:txBody>
+      </p:sp>
+      <p:sp>
+        <p:nvSpPr>
+          <p:cNvPr id="8" name="文本框 7">
+            <a:extLst>
+              <a:ext uri="{FF2B5EF4-FFF2-40B4-BE49-F238E27FC236}">
+                <a16:creationId xmlns:a16="http://schemas.microsoft.com/office/drawing/2014/main" id="{706D103F-20D5-C804-1C9A-3A78DAA45C90}"/>
               </a:ext>
             </a:extLst>
           </p:cNvPr>
@@ -6588,8 +6188,8 @@
         </p:nvSpPr>
         <p:spPr>
           <a:xfrm>
-            <a:off x="5080000" y="1794932"/>
-            <a:ext cx="3894667" cy="1754326"/>
+            <a:off x="5421086" y="1575182"/>
+            <a:ext cx="6076647" cy="3416320"/>
           </a:xfrm>
           <a:prstGeom prst="rect">
             <a:avLst/>
@@ -6597,178 +6197,139 @@
           <a:noFill/>
         </p:spPr>
         <p:txBody>
-          <a:bodyPr wrap="square" rtlCol="0">
-            <a:spAutoFit/>
-          </a:bodyPr>
-          <a:lstStyle/>
-          <a:p>
-            <a:r>
-              <a:rPr lang="en-US" altLang="zh-CN" dirty="0"/>
-              <a:t>	</a:t>
-            </a:r>
-            <a:r>
-              <a:rPr lang="zh-CN" altLang="en-US" dirty="0"/>
-              <a:t>使用</a:t>
-            </a:r>
-            <a:r>
-              <a:rPr lang="en-US" altLang="zh-CN" dirty="0"/>
-              <a:t>Question</a:t>
-            </a:r>
-            <a:r>
-              <a:rPr lang="zh-CN" altLang="en-US" dirty="0"/>
-              <a:t>管理单独的题目</a:t>
-            </a:r>
-            <a:r>
-              <a:rPr lang="en-US" altLang="zh-CN" dirty="0"/>
-              <a:t>, </a:t>
-            </a:r>
-            <a:r>
-              <a:rPr lang="zh-CN" altLang="en-US" dirty="0"/>
-              <a:t> 将题目加载到内存中以方便后续使用。</a:t>
-            </a:r>
-            <a:endParaRPr lang="en-US" altLang="zh-CN" dirty="0"/>
-          </a:p>
-          <a:p>
-            <a:r>
-              <a:rPr lang="en-US" altLang="zh-CN" dirty="0"/>
-              <a:t>	</a:t>
-            </a:r>
-            <a:r>
-              <a:rPr lang="zh-CN" altLang="en-US" dirty="0"/>
-              <a:t>软件外使用</a:t>
-            </a:r>
-            <a:r>
-              <a:rPr lang="en-US" altLang="zh-CN" dirty="0" err="1"/>
-              <a:t>json</a:t>
-            </a:r>
-            <a:r>
-              <a:rPr lang="zh-CN" altLang="en-US" dirty="0"/>
-              <a:t>文件储存题目相关信息</a:t>
-            </a:r>
-            <a:r>
-              <a:rPr lang="en-US" altLang="zh-CN" dirty="0"/>
-              <a:t>, </a:t>
-            </a:r>
-            <a:r>
-              <a:rPr lang="zh-CN" altLang="en-US" dirty="0"/>
-              <a:t>并在程序中进行序列化与反序列化等操作。</a:t>
-            </a:r>
-          </a:p>
-        </p:txBody>
-      </p:sp>
-      <p:sp>
-        <p:nvSpPr>
-          <p:cNvPr id="13" name="文本框 12">
-            <a:extLst>
-              <a:ext uri="{FF2B5EF4-FFF2-40B4-BE49-F238E27FC236}">
-                <a16:creationId xmlns:a16="http://schemas.microsoft.com/office/drawing/2014/main" id="{267F6269-B685-F492-4900-39CB0569DE19}"/>
-              </a:ext>
-            </a:extLst>
-          </p:cNvPr>
-          <p:cNvSpPr txBox="1"/>
-          <p:nvPr/>
-        </p:nvSpPr>
-        <p:spPr>
-          <a:xfrm>
-            <a:off x="5080000" y="3797235"/>
-            <a:ext cx="6096000" cy="923330"/>
-          </a:xfrm>
-          <a:prstGeom prst="rect">
-            <a:avLst/>
-          </a:prstGeom>
-          <a:noFill/>
-        </p:spPr>
-        <p:txBody>
           <a:bodyPr wrap="square">
             <a:spAutoFit/>
           </a:bodyPr>
           <a:lstStyle/>
           <a:p>
             <a:r>
-              <a:rPr lang="en-US" altLang="zh-CN" dirty="0"/>
+              <a:rPr lang="en-US" altLang="zh-CN" sz="2400" dirty="0"/>
+              <a:t>	1. </a:t>
+            </a:r>
+            <a:r>
+              <a:rPr lang="zh-CN" altLang="en-US" sz="2400" dirty="0"/>
+              <a:t>使用 </a:t>
+            </a:r>
+            <a:r>
+              <a:rPr lang="en-US" altLang="zh-CN" sz="2400" dirty="0" err="1"/>
+              <a:t>PyQT</a:t>
+            </a:r>
+            <a:r>
+              <a:rPr lang="en-US" altLang="zh-CN" sz="2400" dirty="0"/>
+              <a:t> </a:t>
+            </a:r>
+            <a:r>
+              <a:rPr lang="zh-CN" altLang="en-US" sz="2400" dirty="0"/>
+              <a:t>作为整体框架</a:t>
+            </a:r>
+            <a:r>
+              <a:rPr lang="en-US" altLang="zh-CN" sz="2400" dirty="0"/>
+              <a:t>, </a:t>
+            </a:r>
+            <a:r>
+              <a:rPr lang="zh-CN" altLang="en-US" sz="2400" dirty="0"/>
+              <a:t>并结合使用 </a:t>
+            </a:r>
+            <a:r>
+              <a:rPr lang="en-US" altLang="zh-CN" sz="2400" dirty="0" err="1"/>
+              <a:t>Qtdesigner</a:t>
+            </a:r>
+            <a:r>
+              <a:rPr lang="en-US" altLang="zh-CN" sz="2400" dirty="0"/>
+              <a:t> </a:t>
+            </a:r>
+            <a:r>
+              <a:rPr lang="zh-CN" altLang="en-US" sz="2400" dirty="0"/>
+              <a:t>设计软件界面样式</a:t>
+            </a:r>
+            <a:r>
+              <a:rPr lang="en-US" altLang="zh-CN" sz="2400" dirty="0"/>
+              <a:t>, </a:t>
+            </a:r>
+            <a:r>
+              <a:rPr lang="zh-CN" altLang="en-US" sz="2400" dirty="0"/>
+              <a:t>完成页面的布局设计。</a:t>
+            </a:r>
+            <a:endParaRPr lang="en-US" altLang="zh-CN" sz="2400" dirty="0"/>
+          </a:p>
+          <a:p>
+            <a:r>
+              <a:rPr lang="en-US" altLang="zh-CN" sz="2400" dirty="0"/>
               <a:t>	</a:t>
             </a:r>
-            <a:r>
-              <a:rPr lang="zh-CN" altLang="en-US" dirty="0"/>
-              <a:t>题目管理器提供了批量加载大量题目</a:t>
-            </a:r>
-            <a:r>
-              <a:rPr lang="en-US" altLang="zh-CN" dirty="0"/>
-              <a:t>,</a:t>
-            </a:r>
-            <a:r>
-              <a:rPr lang="zh-CN" altLang="en-US" dirty="0"/>
-              <a:t>提供题目信息</a:t>
-            </a:r>
-            <a:r>
-              <a:rPr lang="en-US" altLang="zh-CN" dirty="0"/>
-              <a:t>,</a:t>
-            </a:r>
-            <a:r>
-              <a:rPr lang="zh-CN" altLang="en-US" dirty="0"/>
-              <a:t>整理统计信息</a:t>
-            </a:r>
-            <a:r>
-              <a:rPr lang="en-US" altLang="zh-CN" dirty="0"/>
-              <a:t>,</a:t>
-            </a:r>
-            <a:r>
-              <a:rPr lang="zh-CN" altLang="en-US" dirty="0"/>
-              <a:t>回 答情况等功能</a:t>
-            </a:r>
-            <a:r>
-              <a:rPr lang="en-US" altLang="zh-CN" dirty="0"/>
-              <a:t>,</a:t>
-            </a:r>
-            <a:r>
-              <a:rPr lang="zh-CN" altLang="en-US" dirty="0"/>
-              <a:t>同时拥有单个 </a:t>
-            </a:r>
-            <a:r>
-              <a:rPr lang="en-US" altLang="zh-CN" dirty="0"/>
-              <a:t>Question</a:t>
-            </a:r>
-            <a:r>
-              <a:rPr lang="zh-CN" altLang="en-US" dirty="0"/>
-              <a:t>元素的所有权。</a:t>
-            </a:r>
-          </a:p>
-        </p:txBody>
-      </p:sp>
-      <p:pic>
-        <p:nvPicPr>
-          <p:cNvPr id="14" name="图片 13">
-            <a:extLst>
-              <a:ext uri="{FF2B5EF4-FFF2-40B4-BE49-F238E27FC236}">
-                <a16:creationId xmlns:a16="http://schemas.microsoft.com/office/drawing/2014/main" id="{AD3A836E-0FD9-DCFF-8E32-2E1BEBA3626F}"/>
-              </a:ext>
-            </a:extLst>
-          </p:cNvPr>
-          <p:cNvPicPr>
-            <a:picLocks noChangeAspect="1"/>
-          </p:cNvPicPr>
-          <p:nvPr/>
-        </p:nvPicPr>
-        <p:blipFill>
-          <a:blip r:embed="rId3"/>
-          <a:stretch>
-            <a:fillRect/>
-          </a:stretch>
-        </p:blipFill>
-        <p:spPr>
-          <a:xfrm>
-            <a:off x="5080000" y="4889372"/>
-            <a:ext cx="6477904" cy="885949"/>
-          </a:xfrm>
-          <a:prstGeom prst="rect">
-            <a:avLst/>
-          </a:prstGeom>
-        </p:spPr>
-      </p:pic>
+          </a:p>
+          <a:p>
+            <a:r>
+              <a:rPr lang="en-US" altLang="zh-CN" sz="2400" dirty="0"/>
+              <a:t>	2. </a:t>
+            </a:r>
+            <a:r>
+              <a:rPr lang="zh-CN" altLang="en-US" sz="2400" dirty="0"/>
+              <a:t>使用 </a:t>
+            </a:r>
+            <a:r>
+              <a:rPr lang="en-US" altLang="zh-CN" sz="2400" dirty="0"/>
+              <a:t>matplotlib </a:t>
+            </a:r>
+            <a:r>
+              <a:rPr lang="zh-CN" altLang="en-US" sz="2400" dirty="0"/>
+              <a:t>完成数列绘图相关工作。在其他用户场景通过使用 </a:t>
+            </a:r>
+            <a:r>
+              <a:rPr lang="en-US" altLang="zh-CN" sz="2400" dirty="0" err="1"/>
+              <a:t>QwebEngine</a:t>
+            </a:r>
+            <a:r>
+              <a:rPr lang="en-US" altLang="zh-CN" sz="2400" dirty="0"/>
+              <a:t> </a:t>
+            </a:r>
+            <a:r>
+              <a:rPr lang="zh-CN" altLang="en-US" sz="2400" dirty="0"/>
+              <a:t>渲染 </a:t>
+            </a:r>
+            <a:r>
+              <a:rPr lang="en-US" altLang="zh-CN" sz="2400" dirty="0"/>
+              <a:t>HTML </a:t>
+            </a:r>
+            <a:r>
+              <a:rPr lang="zh-CN" altLang="en-US" sz="2400" dirty="0"/>
+              <a:t>文本</a:t>
+            </a:r>
+            <a:r>
+              <a:rPr lang="en-US" altLang="zh-CN" sz="2400" dirty="0"/>
+              <a:t>, </a:t>
+            </a:r>
+            <a:r>
+              <a:rPr lang="zh-CN" altLang="en-US" sz="2400" dirty="0"/>
+              <a:t>使其支持更加丰富的表现体验。并同时借助 </a:t>
+            </a:r>
+            <a:r>
+              <a:rPr lang="en-US" altLang="zh-CN" sz="2400" dirty="0"/>
+              <a:t>HTML</a:t>
+            </a:r>
+            <a:r>
+              <a:rPr lang="zh-CN" altLang="en-US" sz="2400" dirty="0"/>
+              <a:t>完成对 </a:t>
+            </a:r>
+            <a:r>
+              <a:rPr lang="en-US" altLang="zh-CN" sz="2400" dirty="0"/>
+              <a:t>markdown / </a:t>
+            </a:r>
+            <a:r>
+              <a:rPr lang="en-US" altLang="zh-CN" sz="2400" dirty="0" err="1"/>
+              <a:t>tex</a:t>
+            </a:r>
+            <a:r>
+              <a:rPr lang="zh-CN" altLang="en-US" sz="2400" dirty="0"/>
+              <a:t>等其他表现形式的支持。</a:t>
+            </a:r>
+          </a:p>
+        </p:txBody>
+      </p:sp>
     </p:spTree>
     <p:extLst>
       <p:ext uri="{BB962C8B-B14F-4D97-AF65-F5344CB8AC3E}">
-        <p14:creationId xmlns:p14="http://schemas.microsoft.com/office/powerpoint/2010/main" val="3307726192"/>
+        <p14:creationId xmlns:p14="http://schemas.microsoft.com/office/powerpoint/2010/main" val="1432212027"/>
       </p:ext>
     </p:extLst>
   </p:cSld>
@@ -6818,7 +6379,7 @@
           <a:p>
             <a:r>
               <a:rPr lang="en-US" altLang="zh-CN" dirty="0"/>
-              <a:t>2. </a:t>
+              <a:t>1. </a:t>
             </a:r>
             <a:r>
               <a:rPr lang="zh-CN" altLang="en-US" dirty="0"/>
@@ -7095,7 +6656,7 @@
           <p:cNvPr id="2" name="标题 1">
             <a:extLst>
               <a:ext uri="{FF2B5EF4-FFF2-40B4-BE49-F238E27FC236}">
-                <a16:creationId xmlns:a16="http://schemas.microsoft.com/office/drawing/2014/main" id="{96888C31-54B3-2127-8AEE-AC1176C5D506}"/>
+                <a16:creationId xmlns:a16="http://schemas.microsoft.com/office/drawing/2014/main" id="{AAEDFC15-6DCD-FD35-D53E-A255739AD7A6}"/>
               </a:ext>
             </a:extLst>
           </p:cNvPr>
@@ -7112,127 +6673,194 @@
           <a:lstStyle/>
           <a:p>
             <a:r>
-              <a:rPr lang="zh-CN" altLang="en-US" dirty="0"/>
-              <a:t>相关代码</a:t>
+              <a:rPr lang="en-US" altLang="zh-CN" dirty="0"/>
+              <a:t>2. </a:t>
+            </a:r>
+            <a:r>
+              <a:rPr lang="zh-CN" altLang="en-US" dirty="0"/>
+              <a:t>题目练习页面</a:t>
             </a:r>
           </a:p>
         </p:txBody>
       </p:sp>
       <p:pic>
         <p:nvPicPr>
-          <p:cNvPr id="5" name="图片 4">
-            <a:extLst>
-              <a:ext uri="{FF2B5EF4-FFF2-40B4-BE49-F238E27FC236}">
-                <a16:creationId xmlns:a16="http://schemas.microsoft.com/office/drawing/2014/main" id="{F5665B6A-24E0-C7A3-AA5D-F2296B59736D}"/>
+          <p:cNvPr id="5" name="内容占位符 4" descr="图形用户界面, 文本, 应用程序&#10;&#10;AI 生成的内容可能不正确。">
+            <a:extLst>
+              <a:ext uri="{FF2B5EF4-FFF2-40B4-BE49-F238E27FC236}">
+                <a16:creationId xmlns:a16="http://schemas.microsoft.com/office/drawing/2014/main" id="{F91B8050-642E-05A8-8773-6E3CAFCE95F7}"/>
               </a:ext>
             </a:extLst>
           </p:cNvPr>
           <p:cNvPicPr>
-            <a:picLocks noChangeAspect="1"/>
+            <a:picLocks noGrp="1" noChangeAspect="1"/>
           </p:cNvPicPr>
-          <p:nvPr/>
+          <p:nvPr>
+            <p:ph idx="1"/>
+          </p:nvPr>
         </p:nvPicPr>
         <p:blipFill>
-          <a:blip r:embed="rId2"/>
+          <a:blip r:embed="rId2">
+            <a:extLst>
+              <a:ext uri="{28A0092B-C50C-407E-A947-70E740481C1C}">
+                <a14:useLocalDpi xmlns:a14="http://schemas.microsoft.com/office/drawing/2010/main" val="0"/>
+              </a:ext>
+            </a:extLst>
+          </a:blip>
           <a:stretch>
             <a:fillRect/>
           </a:stretch>
         </p:blipFill>
         <p:spPr>
           <a:xfrm>
-            <a:off x="838200" y="1690688"/>
-            <a:ext cx="4944165" cy="3153215"/>
+            <a:off x="616921" y="1690688"/>
+            <a:ext cx="5587936" cy="4351338"/>
+          </a:xfrm>
+        </p:spPr>
+      </p:pic>
+      <p:sp>
+        <p:nvSpPr>
+          <p:cNvPr id="7" name="文本框 6">
+            <a:extLst>
+              <a:ext uri="{FF2B5EF4-FFF2-40B4-BE49-F238E27FC236}">
+                <a16:creationId xmlns:a16="http://schemas.microsoft.com/office/drawing/2014/main" id="{E148C660-B75E-E039-271B-F247934FEE9C}"/>
+              </a:ext>
+            </a:extLst>
+          </p:cNvPr>
+          <p:cNvSpPr txBox="1"/>
+          <p:nvPr/>
+        </p:nvSpPr>
+        <p:spPr>
+          <a:xfrm>
+            <a:off x="6204857" y="1555792"/>
+            <a:ext cx="5148943" cy="3139321"/>
           </a:xfrm>
           <a:prstGeom prst="rect">
             <a:avLst/>
           </a:prstGeom>
+          <a:noFill/>
         </p:spPr>
-      </p:pic>
-      <p:grpSp>
-        <p:nvGrpSpPr>
-          <p:cNvPr id="12" name="组合 11">
-            <a:extLst>
-              <a:ext uri="{FF2B5EF4-FFF2-40B4-BE49-F238E27FC236}">
-                <a16:creationId xmlns:a16="http://schemas.microsoft.com/office/drawing/2014/main" id="{597D3138-C796-EE88-81DC-3E8830060C92}"/>
-              </a:ext>
-            </a:extLst>
-          </p:cNvPr>
-          <p:cNvGrpSpPr/>
-          <p:nvPr/>
-        </p:nvGrpSpPr>
-        <p:grpSpPr>
-          <a:xfrm>
-            <a:off x="6409637" y="767748"/>
-            <a:ext cx="5278932" cy="5766293"/>
-            <a:chOff x="6809007" y="287557"/>
-            <a:chExt cx="6595767" cy="7204701"/>
-          </a:xfrm>
-        </p:grpSpPr>
-        <p:pic>
-          <p:nvPicPr>
-            <p:cNvPr id="9" name="图片 8">
-              <a:extLst>
-                <a:ext uri="{FF2B5EF4-FFF2-40B4-BE49-F238E27FC236}">
-                  <a16:creationId xmlns:a16="http://schemas.microsoft.com/office/drawing/2014/main" id="{8EFC21F8-A831-7604-A1AD-88A0B71573C3}"/>
-                </a:ext>
-              </a:extLst>
-            </p:cNvPr>
-            <p:cNvPicPr>
-              <a:picLocks noChangeAspect="1"/>
-            </p:cNvPicPr>
-            <p:nvPr/>
-          </p:nvPicPr>
-          <p:blipFill>
-            <a:blip r:embed="rId3"/>
-            <a:stretch>
-              <a:fillRect/>
-            </a:stretch>
-          </p:blipFill>
-          <p:spPr>
-            <a:xfrm>
-              <a:off x="6809007" y="287557"/>
-              <a:ext cx="4887007" cy="4420217"/>
-            </a:xfrm>
-            <a:prstGeom prst="rect">
-              <a:avLst/>
-            </a:prstGeom>
-          </p:spPr>
-        </p:pic>
-        <p:pic>
-          <p:nvPicPr>
-            <p:cNvPr id="11" name="图片 10">
-              <a:extLst>
-                <a:ext uri="{FF2B5EF4-FFF2-40B4-BE49-F238E27FC236}">
-                  <a16:creationId xmlns:a16="http://schemas.microsoft.com/office/drawing/2014/main" id="{250BCB52-BF51-07EC-18B3-179D486205B7}"/>
-                </a:ext>
-              </a:extLst>
-            </p:cNvPr>
-            <p:cNvPicPr>
-              <a:picLocks noChangeAspect="1"/>
-            </p:cNvPicPr>
-            <p:nvPr/>
-          </p:nvPicPr>
-          <p:blipFill>
-            <a:blip r:embed="rId4"/>
-            <a:stretch>
-              <a:fillRect/>
-            </a:stretch>
-          </p:blipFill>
-          <p:spPr>
-            <a:xfrm>
-              <a:off x="6898291" y="4710570"/>
-              <a:ext cx="6506483" cy="2781688"/>
-            </a:xfrm>
-            <a:prstGeom prst="rect">
-              <a:avLst/>
-            </a:prstGeom>
-          </p:spPr>
-        </p:pic>
-      </p:grpSp>
+        <p:txBody>
+          <a:bodyPr wrap="square">
+            <a:spAutoFit/>
+          </a:bodyPr>
+          <a:lstStyle/>
+          <a:p>
+            <a:r>
+              <a:rPr lang="en-US" altLang="zh-CN" dirty="0"/>
+              <a:t>	1. </a:t>
+            </a:r>
+            <a:r>
+              <a:rPr lang="zh-CN" altLang="en-US" dirty="0"/>
+              <a:t>题目练习页面需要其能够支持 </a:t>
+            </a:r>
+            <a:r>
+              <a:rPr lang="en-US" altLang="zh-CN" dirty="0"/>
+              <a:t>markdown</a:t>
+            </a:r>
+            <a:r>
+              <a:rPr lang="zh-CN" altLang="en-US" dirty="0"/>
+              <a:t>和</a:t>
+            </a:r>
+            <a:r>
+              <a:rPr lang="en-US" altLang="zh-CN" dirty="0"/>
+              <a:t>LATEX</a:t>
+            </a:r>
+            <a:r>
+              <a:rPr lang="zh-CN" altLang="en-US" dirty="0"/>
+              <a:t>语法</a:t>
+            </a:r>
+            <a:r>
+              <a:rPr lang="en-US" altLang="zh-CN" dirty="0"/>
+              <a:t>,</a:t>
+            </a:r>
+            <a:r>
+              <a:rPr lang="zh-CN" altLang="en-US" dirty="0"/>
+              <a:t>显示题面相关信 息。并同时显示选项等相关内容。   </a:t>
+            </a:r>
+            <a:endParaRPr lang="en-US" altLang="zh-CN" dirty="0"/>
+          </a:p>
+          <a:p>
+            <a:r>
+              <a:rPr lang="en-US" altLang="zh-CN" dirty="0"/>
+              <a:t>	2. </a:t>
+            </a:r>
+            <a:r>
+              <a:rPr lang="zh-CN" altLang="en-US" dirty="0"/>
+              <a:t>用户可以在该页面内提交题目答案并核对</a:t>
+            </a:r>
+            <a:r>
+              <a:rPr lang="en-US" altLang="zh-CN" dirty="0"/>
+              <a:t>,</a:t>
+            </a:r>
+            <a:r>
+              <a:rPr lang="zh-CN" altLang="en-US" dirty="0"/>
+              <a:t>检查用户作答正确性。   </a:t>
+            </a:r>
+            <a:endParaRPr lang="en-US" altLang="zh-CN" dirty="0"/>
+          </a:p>
+          <a:p>
+            <a:r>
+              <a:rPr lang="en-US" altLang="zh-CN" dirty="0"/>
+              <a:t>	3. </a:t>
+            </a:r>
+            <a:r>
+              <a:rPr lang="zh-CN" altLang="en-US" dirty="0"/>
+              <a:t>可以根据用户当前正在作答的题目进行其他题目推荐</a:t>
+            </a:r>
+            <a:r>
+              <a:rPr lang="en-US" altLang="zh-CN" dirty="0"/>
+              <a:t>,</a:t>
+            </a:r>
+            <a:r>
+              <a:rPr lang="zh-CN" altLang="en-US" dirty="0"/>
+              <a:t>并显示在侧边栏 中</a:t>
+            </a:r>
+            <a:r>
+              <a:rPr lang="en-US" altLang="zh-CN" dirty="0"/>
+              <a:t>, </a:t>
+            </a:r>
+            <a:r>
+              <a:rPr lang="zh-CN" altLang="en-US" dirty="0"/>
+              <a:t>允许用户快捷跳转至该题目   </a:t>
+            </a:r>
+            <a:endParaRPr lang="en-US" altLang="zh-CN" dirty="0"/>
+          </a:p>
+          <a:p>
+            <a:r>
+              <a:rPr lang="en-US" altLang="zh-CN" dirty="0"/>
+              <a:t>	4. </a:t>
+            </a:r>
+            <a:r>
+              <a:rPr lang="zh-CN" altLang="en-US" dirty="0"/>
+              <a:t>在侧边栏可以显示题目难度</a:t>
+            </a:r>
+            <a:r>
+              <a:rPr lang="en-US" altLang="zh-CN" dirty="0"/>
+              <a:t>,</a:t>
+            </a:r>
+            <a:r>
+              <a:rPr lang="zh-CN" altLang="en-US" dirty="0"/>
+              <a:t>标签等相关信息。</a:t>
+            </a:r>
+            <a:endParaRPr lang="en-US" altLang="zh-CN" dirty="0"/>
+          </a:p>
+          <a:p>
+            <a:r>
+              <a:rPr lang="en-US" altLang="zh-CN" dirty="0"/>
+              <a:t>	5.</a:t>
+            </a:r>
+            <a:r>
+              <a:rPr lang="zh-CN" altLang="en-US" dirty="0"/>
+              <a:t>提供一定辅助功能</a:t>
+            </a:r>
+          </a:p>
+        </p:txBody>
+      </p:sp>
     </p:spTree>
     <p:extLst>
       <p:ext uri="{BB962C8B-B14F-4D97-AF65-F5344CB8AC3E}">
-        <p14:creationId xmlns:p14="http://schemas.microsoft.com/office/powerpoint/2010/main" val="4030051664"/>
+        <p14:creationId xmlns:p14="http://schemas.microsoft.com/office/powerpoint/2010/main" val="3163972547"/>
       </p:ext>
     </p:extLst>
   </p:cSld>
@@ -7264,7 +6892,7 @@
           <p:cNvPr id="2" name="标题 1">
             <a:extLst>
               <a:ext uri="{FF2B5EF4-FFF2-40B4-BE49-F238E27FC236}">
-                <a16:creationId xmlns:a16="http://schemas.microsoft.com/office/drawing/2014/main" id="{AAEDFC15-6DCD-FD35-D53E-A255739AD7A6}"/>
+                <a16:creationId xmlns:a16="http://schemas.microsoft.com/office/drawing/2014/main" id="{9A27E06F-2AF7-CC11-7B7B-25EAC3B7B5C0}"/>
               </a:ext>
             </a:extLst>
           </p:cNvPr>
@@ -7281,183 +6909,104 @@
           <a:lstStyle/>
           <a:p>
             <a:r>
-              <a:rPr lang="en-US" altLang="zh-CN" dirty="0"/>
-              <a:t>3. </a:t>
-            </a:r>
-            <a:r>
-              <a:rPr lang="zh-CN" altLang="en-US" dirty="0"/>
-              <a:t>题目练习页面</a:t>
-            </a:r>
+              <a:rPr lang="zh-CN" altLang="en-US" dirty="0"/>
+              <a:t>生成推荐题目</a:t>
+            </a:r>
+          </a:p>
+        </p:txBody>
+      </p:sp>
+      <p:sp>
+        <p:nvSpPr>
+          <p:cNvPr id="3" name="内容占位符 2">
+            <a:extLst>
+              <a:ext uri="{FF2B5EF4-FFF2-40B4-BE49-F238E27FC236}">
+                <a16:creationId xmlns:a16="http://schemas.microsoft.com/office/drawing/2014/main" id="{EE62E816-77A3-B0F6-3469-9D7CFD7461EC}"/>
+              </a:ext>
+            </a:extLst>
+          </p:cNvPr>
+          <p:cNvSpPr>
+            <a:spLocks noGrp="1"/>
+          </p:cNvSpPr>
+          <p:nvPr>
+            <p:ph idx="1"/>
+          </p:nvPr>
+        </p:nvSpPr>
+        <p:spPr/>
+        <p:txBody>
+          <a:bodyPr/>
+          <a:lstStyle/>
+          <a:p>
+            <a:pPr marL="0" indent="0">
+              <a:buNone/>
+            </a:pPr>
+            <a:r>
+              <a:rPr lang="en-US" altLang="zh-CN" dirty="0"/>
+              <a:t>	</a:t>
+            </a:r>
+            <a:r>
+              <a:rPr lang="zh-CN" altLang="en-US" dirty="0"/>
+              <a:t>以标签关键字</a:t>
+            </a:r>
+            <a:r>
+              <a:rPr lang="en-US" altLang="zh-CN" dirty="0"/>
+              <a:t>, </a:t>
+            </a:r>
+            <a:r>
+              <a:rPr lang="zh-CN" altLang="en-US" dirty="0"/>
+              <a:t>搜索含有相同标签的题目</a:t>
+            </a:r>
+            <a:r>
+              <a:rPr lang="en-US" altLang="zh-CN" dirty="0"/>
+              <a:t>, </a:t>
+            </a:r>
+            <a:r>
+              <a:rPr lang="zh-CN" altLang="en-US" dirty="0"/>
+              <a:t>选取其前五题并输出。如遇题目不足则不会覆盖上一次的推荐题目。</a:t>
+            </a:r>
+            <a:endParaRPr lang="en-US" altLang="zh-CN" dirty="0"/>
+          </a:p>
+          <a:p>
+            <a:pPr marL="0" indent="0">
+              <a:buNone/>
+            </a:pPr>
+            <a:endParaRPr lang="zh-CN" altLang="en-US" dirty="0"/>
           </a:p>
         </p:txBody>
       </p:sp>
       <p:pic>
         <p:nvPicPr>
-          <p:cNvPr id="5" name="内容占位符 4" descr="图形用户界面, 文本, 应用程序&#10;&#10;AI 生成的内容可能不正确。">
-            <a:extLst>
-              <a:ext uri="{FF2B5EF4-FFF2-40B4-BE49-F238E27FC236}">
-                <a16:creationId xmlns:a16="http://schemas.microsoft.com/office/drawing/2014/main" id="{F91B8050-642E-05A8-8773-6E3CAFCE95F7}"/>
+          <p:cNvPr id="7" name="图片 6">
+            <a:extLst>
+              <a:ext uri="{FF2B5EF4-FFF2-40B4-BE49-F238E27FC236}">
+                <a16:creationId xmlns:a16="http://schemas.microsoft.com/office/drawing/2014/main" id="{49CEE449-C144-4FD2-EC6B-43B1A0C58ED6}"/>
               </a:ext>
             </a:extLst>
           </p:cNvPr>
           <p:cNvPicPr>
-            <a:picLocks noGrp="1" noChangeAspect="1"/>
+            <a:picLocks noChangeAspect="1"/>
           </p:cNvPicPr>
-          <p:nvPr>
-            <p:ph idx="1"/>
-          </p:nvPr>
+          <p:nvPr/>
         </p:nvPicPr>
         <p:blipFill>
-          <a:blip r:embed="rId2">
-            <a:extLst>
-              <a:ext uri="{28A0092B-C50C-407E-A947-70E740481C1C}">
-                <a14:useLocalDpi xmlns:a14="http://schemas.microsoft.com/office/drawing/2010/main" val="0"/>
-              </a:ext>
-            </a:extLst>
-          </a:blip>
+          <a:blip r:embed="rId2"/>
           <a:stretch>
             <a:fillRect/>
           </a:stretch>
         </p:blipFill>
         <p:spPr>
           <a:xfrm>
-            <a:off x="508064" y="1690688"/>
-            <a:ext cx="5587936" cy="4351338"/>
-          </a:xfrm>
-        </p:spPr>
-      </p:pic>
-      <p:sp>
-        <p:nvSpPr>
-          <p:cNvPr id="7" name="文本框 6">
-            <a:extLst>
-              <a:ext uri="{FF2B5EF4-FFF2-40B4-BE49-F238E27FC236}">
-                <a16:creationId xmlns:a16="http://schemas.microsoft.com/office/drawing/2014/main" id="{E148C660-B75E-E039-271B-F247934FEE9C}"/>
-              </a:ext>
-            </a:extLst>
-          </p:cNvPr>
-          <p:cNvSpPr txBox="1"/>
-          <p:nvPr/>
-        </p:nvSpPr>
-        <p:spPr>
-          <a:xfrm>
-            <a:off x="6204857" y="1555792"/>
-            <a:ext cx="5148943" cy="2862322"/>
+            <a:off x="942559" y="2605491"/>
+            <a:ext cx="5963482" cy="2238687"/>
           </a:xfrm>
           <a:prstGeom prst="rect">
             <a:avLst/>
           </a:prstGeom>
-          <a:noFill/>
         </p:spPr>
-        <p:txBody>
-          <a:bodyPr wrap="square">
-            <a:spAutoFit/>
-          </a:bodyPr>
-          <a:lstStyle/>
-          <a:p>
-            <a:r>
-              <a:rPr lang="en-US" altLang="zh-CN" dirty="0"/>
-              <a:t>	1. </a:t>
-            </a:r>
-            <a:r>
-              <a:rPr lang="zh-CN" altLang="en-US" dirty="0"/>
-              <a:t>题目练习页面需要其能够支持 </a:t>
-            </a:r>
-            <a:r>
-              <a:rPr lang="en-US" altLang="zh-CN" dirty="0"/>
-              <a:t>markdown</a:t>
-            </a:r>
-            <a:r>
-              <a:rPr lang="zh-CN" altLang="en-US" dirty="0"/>
-              <a:t>和</a:t>
-            </a:r>
-            <a:r>
-              <a:rPr lang="en-US" altLang="zh-CN" dirty="0"/>
-              <a:t>LATEX</a:t>
-            </a:r>
-            <a:r>
-              <a:rPr lang="zh-CN" altLang="en-US" dirty="0"/>
-              <a:t>语法</a:t>
-            </a:r>
-            <a:r>
-              <a:rPr lang="en-US" altLang="zh-CN" dirty="0"/>
-              <a:t>,</a:t>
-            </a:r>
-            <a:r>
-              <a:rPr lang="zh-CN" altLang="en-US" dirty="0"/>
-              <a:t>显示题面相关信 息。并同时显示选项等相关内容。   </a:t>
-            </a:r>
-            <a:endParaRPr lang="en-US" altLang="zh-CN" dirty="0"/>
-          </a:p>
-          <a:p>
-            <a:r>
-              <a:rPr lang="en-US" altLang="zh-CN" dirty="0"/>
-              <a:t>	2. </a:t>
-            </a:r>
-            <a:r>
-              <a:rPr lang="zh-CN" altLang="en-US" dirty="0"/>
-              <a:t>用户可以在该页面内提交题目答案并核对</a:t>
-            </a:r>
-            <a:r>
-              <a:rPr lang="en-US" altLang="zh-CN" dirty="0"/>
-              <a:t>,</a:t>
-            </a:r>
-            <a:r>
-              <a:rPr lang="zh-CN" altLang="en-US" dirty="0"/>
-              <a:t>检查用户作答正确性。   </a:t>
-            </a:r>
-            <a:endParaRPr lang="en-US" altLang="zh-CN" dirty="0"/>
-          </a:p>
-          <a:p>
-            <a:r>
-              <a:rPr lang="en-US" altLang="zh-CN" dirty="0"/>
-              <a:t>	3. </a:t>
-            </a:r>
-            <a:r>
-              <a:rPr lang="zh-CN" altLang="en-US" dirty="0"/>
-              <a:t>可以根据用户当前正在作答的题目进行其他题目推荐</a:t>
-            </a:r>
-            <a:r>
-              <a:rPr lang="en-US" altLang="zh-CN" dirty="0"/>
-              <a:t>,</a:t>
-            </a:r>
-            <a:r>
-              <a:rPr lang="zh-CN" altLang="en-US" dirty="0"/>
-              <a:t>并显示在侧边栏 中</a:t>
-            </a:r>
-            <a:r>
-              <a:rPr lang="en-US" altLang="zh-CN" dirty="0"/>
-              <a:t>, </a:t>
-            </a:r>
-            <a:r>
-              <a:rPr lang="zh-CN" altLang="en-US" dirty="0"/>
-              <a:t>允许用户快捷跳转至该题目   </a:t>
-            </a:r>
-            <a:endParaRPr lang="en-US" altLang="zh-CN" dirty="0"/>
-          </a:p>
-          <a:p>
-            <a:r>
-              <a:rPr lang="en-US" altLang="zh-CN" dirty="0"/>
-              <a:t>	4. </a:t>
-            </a:r>
-            <a:r>
-              <a:rPr lang="zh-CN" altLang="en-US" dirty="0"/>
-              <a:t>在侧边栏可以显示题目难度</a:t>
-            </a:r>
-            <a:r>
-              <a:rPr lang="en-US" altLang="zh-CN" dirty="0"/>
-              <a:t>,</a:t>
-            </a:r>
-            <a:r>
-              <a:rPr lang="zh-CN" altLang="en-US" dirty="0"/>
-              <a:t>标签等相关信息。</a:t>
-            </a:r>
-          </a:p>
-        </p:txBody>
-      </p:sp>
+      </p:pic>
     </p:spTree>
     <p:extLst>
       <p:ext uri="{BB962C8B-B14F-4D97-AF65-F5344CB8AC3E}">
-        <p14:creationId xmlns:p14="http://schemas.microsoft.com/office/powerpoint/2010/main" val="3163972547"/>
+        <p14:creationId xmlns:p14="http://schemas.microsoft.com/office/powerpoint/2010/main" val="1832218526"/>
       </p:ext>
     </p:extLst>
   </p:cSld>
